--- a/wwwroot/Presentation/Template.pptx
+++ b/wwwroot/Presentation/Template.pptx
@@ -7,8 +7,7 @@
   <p:sldIdLst>
     <p:sldId id="256" r:id="rId2"/>
     <p:sldId id="260" r:id="rId3"/>
-    <p:sldId id="258" r:id="rId4"/>
-    <p:sldId id="261" r:id="rId5"/>
+    <p:sldId id="261" r:id="rId4"/>
   </p:sldIdLst>
   <p:sldSz cx="12192000" cy="6858000"/>
   <p:notesSz cx="6858000" cy="9144000"/>
@@ -1140,3217 +1139,6 @@
 </cs:chartStyle>
 </file>
 
-<file path=ppt/diagrams/colors1.xml><?xml version="1.0" encoding="utf-8"?>
-<dgm:colorsDef xmlns:dgm="http://schemas.openxmlformats.org/drawingml/2006/diagram" xmlns:a="http://schemas.openxmlformats.org/drawingml/2006/main" uniqueId="urn:microsoft.com/office/officeart/2005/8/colors/accent1_2">
-  <dgm:title val=""/>
-  <dgm:desc val=""/>
-  <dgm:catLst>
-    <dgm:cat type="accent1" pri="11200"/>
-  </dgm:catLst>
-  <dgm:styleLbl name="node0">
-    <dgm:fillClrLst meth="repeat">
-      <a:schemeClr val="accent1"/>
-    </dgm:fillClrLst>
-    <dgm:linClrLst meth="repeat">
-      <a:schemeClr val="lt1"/>
-    </dgm:linClrLst>
-    <dgm:effectClrLst/>
-    <dgm:txLinClrLst/>
-    <dgm:txFillClrLst/>
-    <dgm:txEffectClrLst/>
-  </dgm:styleLbl>
-  <dgm:styleLbl name="alignNode1">
-    <dgm:fillClrLst meth="repeat">
-      <a:schemeClr val="accent1"/>
-    </dgm:fillClrLst>
-    <dgm:linClrLst meth="repeat">
-      <a:schemeClr val="accent1"/>
-    </dgm:linClrLst>
-    <dgm:effectClrLst/>
-    <dgm:txLinClrLst/>
-    <dgm:txFillClrLst/>
-    <dgm:txEffectClrLst/>
-  </dgm:styleLbl>
-  <dgm:styleLbl name="node1">
-    <dgm:fillClrLst meth="repeat">
-      <a:schemeClr val="accent1"/>
-    </dgm:fillClrLst>
-    <dgm:linClrLst meth="repeat">
-      <a:schemeClr val="lt1"/>
-    </dgm:linClrLst>
-    <dgm:effectClrLst/>
-    <dgm:txLinClrLst/>
-    <dgm:txFillClrLst/>
-    <dgm:txEffectClrLst/>
-  </dgm:styleLbl>
-  <dgm:styleLbl name="lnNode1">
-    <dgm:fillClrLst meth="repeat">
-      <a:schemeClr val="accent1"/>
-    </dgm:fillClrLst>
-    <dgm:linClrLst meth="repeat">
-      <a:schemeClr val="lt1"/>
-    </dgm:linClrLst>
-    <dgm:effectClrLst/>
-    <dgm:txLinClrLst/>
-    <dgm:txFillClrLst/>
-    <dgm:txEffectClrLst/>
-  </dgm:styleLbl>
-  <dgm:styleLbl name="vennNode1">
-    <dgm:fillClrLst meth="repeat">
-      <a:schemeClr val="accent1">
-        <a:alpha val="50000"/>
-      </a:schemeClr>
-    </dgm:fillClrLst>
-    <dgm:linClrLst meth="repeat">
-      <a:schemeClr val="lt1"/>
-    </dgm:linClrLst>
-    <dgm:effectClrLst/>
-    <dgm:txLinClrLst/>
-    <dgm:txFillClrLst/>
-    <dgm:txEffectClrLst/>
-  </dgm:styleLbl>
-  <dgm:styleLbl name="node2">
-    <dgm:fillClrLst meth="repeat">
-      <a:schemeClr val="accent1"/>
-    </dgm:fillClrLst>
-    <dgm:linClrLst meth="repeat">
-      <a:schemeClr val="lt1"/>
-    </dgm:linClrLst>
-    <dgm:effectClrLst/>
-    <dgm:txLinClrLst/>
-    <dgm:txFillClrLst/>
-    <dgm:txEffectClrLst/>
-  </dgm:styleLbl>
-  <dgm:styleLbl name="node3">
-    <dgm:fillClrLst meth="repeat">
-      <a:schemeClr val="accent1"/>
-    </dgm:fillClrLst>
-    <dgm:linClrLst meth="repeat">
-      <a:schemeClr val="lt1"/>
-    </dgm:linClrLst>
-    <dgm:effectClrLst/>
-    <dgm:txLinClrLst/>
-    <dgm:txFillClrLst/>
-    <dgm:txEffectClrLst/>
-  </dgm:styleLbl>
-  <dgm:styleLbl name="node4">
-    <dgm:fillClrLst meth="repeat">
-      <a:schemeClr val="accent1"/>
-    </dgm:fillClrLst>
-    <dgm:linClrLst meth="repeat">
-      <a:schemeClr val="lt1"/>
-    </dgm:linClrLst>
-    <dgm:effectClrLst/>
-    <dgm:txLinClrLst/>
-    <dgm:txFillClrLst/>
-    <dgm:txEffectClrLst/>
-  </dgm:styleLbl>
-  <dgm:styleLbl name="fgImgPlace1">
-    <dgm:fillClrLst meth="repeat">
-      <a:schemeClr val="accent1">
-        <a:tint val="50000"/>
-      </a:schemeClr>
-    </dgm:fillClrLst>
-    <dgm:linClrLst meth="repeat">
-      <a:schemeClr val="lt1"/>
-    </dgm:linClrLst>
-    <dgm:effectClrLst/>
-    <dgm:txLinClrLst/>
-    <dgm:txFillClrLst meth="repeat">
-      <a:schemeClr val="lt1"/>
-    </dgm:txFillClrLst>
-    <dgm:txEffectClrLst/>
-  </dgm:styleLbl>
-  <dgm:styleLbl name="alignImgPlace1">
-    <dgm:fillClrLst meth="repeat">
-      <a:schemeClr val="accent1">
-        <a:tint val="50000"/>
-      </a:schemeClr>
-    </dgm:fillClrLst>
-    <dgm:linClrLst meth="repeat">
-      <a:schemeClr val="lt1"/>
-    </dgm:linClrLst>
-    <dgm:effectClrLst/>
-    <dgm:txLinClrLst/>
-    <dgm:txFillClrLst meth="repeat">
-      <a:schemeClr val="lt1"/>
-    </dgm:txFillClrLst>
-    <dgm:txEffectClrLst/>
-  </dgm:styleLbl>
-  <dgm:styleLbl name="bgImgPlace1">
-    <dgm:fillClrLst meth="repeat">
-      <a:schemeClr val="accent1">
-        <a:tint val="50000"/>
-      </a:schemeClr>
-    </dgm:fillClrLst>
-    <dgm:linClrLst meth="repeat">
-      <a:schemeClr val="lt1"/>
-    </dgm:linClrLst>
-    <dgm:effectClrLst/>
-    <dgm:txLinClrLst/>
-    <dgm:txFillClrLst meth="repeat">
-      <a:schemeClr val="lt1"/>
-    </dgm:txFillClrLst>
-    <dgm:txEffectClrLst/>
-  </dgm:styleLbl>
-  <dgm:styleLbl name="sibTrans2D1">
-    <dgm:fillClrLst meth="repeat">
-      <a:schemeClr val="accent1">
-        <a:tint val="60000"/>
-      </a:schemeClr>
-    </dgm:fillClrLst>
-    <dgm:linClrLst meth="repeat">
-      <a:schemeClr val="accent1">
-        <a:tint val="60000"/>
-      </a:schemeClr>
-    </dgm:linClrLst>
-    <dgm:effectClrLst/>
-    <dgm:txLinClrLst/>
-    <dgm:txFillClrLst/>
-    <dgm:txEffectClrLst/>
-  </dgm:styleLbl>
-  <dgm:styleLbl name="fgSibTrans2D1">
-    <dgm:fillClrLst meth="repeat">
-      <a:schemeClr val="accent1">
-        <a:tint val="60000"/>
-      </a:schemeClr>
-    </dgm:fillClrLst>
-    <dgm:linClrLst meth="repeat">
-      <a:schemeClr val="accent1">
-        <a:tint val="60000"/>
-      </a:schemeClr>
-    </dgm:linClrLst>
-    <dgm:effectClrLst/>
-    <dgm:txLinClrLst/>
-    <dgm:txFillClrLst/>
-    <dgm:txEffectClrLst/>
-  </dgm:styleLbl>
-  <dgm:styleLbl name="bgSibTrans2D1">
-    <dgm:fillClrLst meth="repeat">
-      <a:schemeClr val="accent1">
-        <a:tint val="60000"/>
-      </a:schemeClr>
-    </dgm:fillClrLst>
-    <dgm:linClrLst meth="repeat">
-      <a:schemeClr val="accent1">
-        <a:tint val="60000"/>
-      </a:schemeClr>
-    </dgm:linClrLst>
-    <dgm:effectClrLst/>
-    <dgm:txLinClrLst/>
-    <dgm:txFillClrLst/>
-    <dgm:txEffectClrLst/>
-  </dgm:styleLbl>
-  <dgm:styleLbl name="sibTrans1D1">
-    <dgm:fillClrLst meth="repeat">
-      <a:schemeClr val="accent1"/>
-    </dgm:fillClrLst>
-    <dgm:linClrLst meth="repeat">
-      <a:schemeClr val="accent1"/>
-    </dgm:linClrLst>
-    <dgm:effectClrLst/>
-    <dgm:txLinClrLst/>
-    <dgm:txFillClrLst meth="repeat">
-      <a:schemeClr val="tx1"/>
-    </dgm:txFillClrLst>
-    <dgm:txEffectClrLst/>
-  </dgm:styleLbl>
-  <dgm:styleLbl name="callout">
-    <dgm:fillClrLst meth="repeat">
-      <a:schemeClr val="accent1"/>
-    </dgm:fillClrLst>
-    <dgm:linClrLst meth="repeat">
-      <a:schemeClr val="accent1">
-        <a:tint val="50000"/>
-      </a:schemeClr>
-    </dgm:linClrLst>
-    <dgm:effectClrLst/>
-    <dgm:txLinClrLst/>
-    <dgm:txFillClrLst meth="repeat">
-      <a:schemeClr val="tx1"/>
-    </dgm:txFillClrLst>
-    <dgm:txEffectClrLst/>
-  </dgm:styleLbl>
-  <dgm:styleLbl name="asst0">
-    <dgm:fillClrLst meth="repeat">
-      <a:schemeClr val="accent1"/>
-    </dgm:fillClrLst>
-    <dgm:linClrLst meth="repeat">
-      <a:schemeClr val="lt1"/>
-    </dgm:linClrLst>
-    <dgm:effectClrLst/>
-    <dgm:txLinClrLst/>
-    <dgm:txFillClrLst/>
-    <dgm:txEffectClrLst/>
-  </dgm:styleLbl>
-  <dgm:styleLbl name="asst1">
-    <dgm:fillClrLst meth="repeat">
-      <a:schemeClr val="accent1"/>
-    </dgm:fillClrLst>
-    <dgm:linClrLst meth="repeat">
-      <a:schemeClr val="lt1"/>
-    </dgm:linClrLst>
-    <dgm:effectClrLst/>
-    <dgm:txLinClrLst/>
-    <dgm:txFillClrLst/>
-    <dgm:txEffectClrLst/>
-  </dgm:styleLbl>
-  <dgm:styleLbl name="asst2">
-    <dgm:fillClrLst meth="repeat">
-      <a:schemeClr val="accent1"/>
-    </dgm:fillClrLst>
-    <dgm:linClrLst meth="repeat">
-      <a:schemeClr val="lt1"/>
-    </dgm:linClrLst>
-    <dgm:effectClrLst/>
-    <dgm:txLinClrLst/>
-    <dgm:txFillClrLst/>
-    <dgm:txEffectClrLst/>
-  </dgm:styleLbl>
-  <dgm:styleLbl name="asst3">
-    <dgm:fillClrLst meth="repeat">
-      <a:schemeClr val="accent1"/>
-    </dgm:fillClrLst>
-    <dgm:linClrLst meth="repeat">
-      <a:schemeClr val="lt1"/>
-    </dgm:linClrLst>
-    <dgm:effectClrLst/>
-    <dgm:txLinClrLst/>
-    <dgm:txFillClrLst/>
-    <dgm:txEffectClrLst/>
-  </dgm:styleLbl>
-  <dgm:styleLbl name="asst4">
-    <dgm:fillClrLst meth="repeat">
-      <a:schemeClr val="accent1"/>
-    </dgm:fillClrLst>
-    <dgm:linClrLst meth="repeat">
-      <a:schemeClr val="lt1"/>
-    </dgm:linClrLst>
-    <dgm:effectClrLst/>
-    <dgm:txLinClrLst/>
-    <dgm:txFillClrLst/>
-    <dgm:txEffectClrLst/>
-  </dgm:styleLbl>
-  <dgm:styleLbl name="parChTrans2D1">
-    <dgm:fillClrLst meth="repeat">
-      <a:schemeClr val="accent1">
-        <a:tint val="60000"/>
-      </a:schemeClr>
-    </dgm:fillClrLst>
-    <dgm:linClrLst meth="repeat">
-      <a:schemeClr val="accent1">
-        <a:tint val="60000"/>
-      </a:schemeClr>
-    </dgm:linClrLst>
-    <dgm:effectClrLst/>
-    <dgm:txLinClrLst/>
-    <dgm:txFillClrLst meth="repeat">
-      <a:schemeClr val="lt1"/>
-    </dgm:txFillClrLst>
-    <dgm:txEffectClrLst/>
-  </dgm:styleLbl>
-  <dgm:styleLbl name="parChTrans2D2">
-    <dgm:fillClrLst meth="repeat">
-      <a:schemeClr val="accent1"/>
-    </dgm:fillClrLst>
-    <dgm:linClrLst meth="repeat">
-      <a:schemeClr val="accent1"/>
-    </dgm:linClrLst>
-    <dgm:effectClrLst/>
-    <dgm:txLinClrLst/>
-    <dgm:txFillClrLst meth="repeat">
-      <a:schemeClr val="lt1"/>
-    </dgm:txFillClrLst>
-    <dgm:txEffectClrLst/>
-  </dgm:styleLbl>
-  <dgm:styleLbl name="parChTrans2D3">
-    <dgm:fillClrLst meth="repeat">
-      <a:schemeClr val="accent1"/>
-    </dgm:fillClrLst>
-    <dgm:linClrLst meth="repeat">
-      <a:schemeClr val="accent1"/>
-    </dgm:linClrLst>
-    <dgm:effectClrLst/>
-    <dgm:txLinClrLst/>
-    <dgm:txFillClrLst meth="repeat">
-      <a:schemeClr val="lt1"/>
-    </dgm:txFillClrLst>
-    <dgm:txEffectClrLst/>
-  </dgm:styleLbl>
-  <dgm:styleLbl name="parChTrans2D4">
-    <dgm:fillClrLst meth="repeat">
-      <a:schemeClr val="accent1"/>
-    </dgm:fillClrLst>
-    <dgm:linClrLst meth="repeat">
-      <a:schemeClr val="accent1"/>
-    </dgm:linClrLst>
-    <dgm:effectClrLst/>
-    <dgm:txLinClrLst/>
-    <dgm:txFillClrLst meth="repeat">
-      <a:schemeClr val="lt1"/>
-    </dgm:txFillClrLst>
-    <dgm:txEffectClrLst/>
-  </dgm:styleLbl>
-  <dgm:styleLbl name="parChTrans1D1">
-    <dgm:fillClrLst meth="repeat">
-      <a:schemeClr val="accent1"/>
-    </dgm:fillClrLst>
-    <dgm:linClrLst meth="repeat">
-      <a:schemeClr val="accent1">
-        <a:shade val="60000"/>
-      </a:schemeClr>
-    </dgm:linClrLst>
-    <dgm:effectClrLst/>
-    <dgm:txLinClrLst/>
-    <dgm:txFillClrLst meth="repeat">
-      <a:schemeClr val="tx1"/>
-    </dgm:txFillClrLst>
-    <dgm:txEffectClrLst/>
-  </dgm:styleLbl>
-  <dgm:styleLbl name="parChTrans1D2">
-    <dgm:fillClrLst meth="repeat">
-      <a:schemeClr val="accent1"/>
-    </dgm:fillClrLst>
-    <dgm:linClrLst meth="repeat">
-      <a:schemeClr val="accent1">
-        <a:shade val="60000"/>
-      </a:schemeClr>
-    </dgm:linClrLst>
-    <dgm:effectClrLst/>
-    <dgm:txLinClrLst/>
-    <dgm:txFillClrLst meth="repeat">
-      <a:schemeClr val="tx1"/>
-    </dgm:txFillClrLst>
-    <dgm:txEffectClrLst/>
-  </dgm:styleLbl>
-  <dgm:styleLbl name="parChTrans1D3">
-    <dgm:fillClrLst meth="repeat">
-      <a:schemeClr val="accent1"/>
-    </dgm:fillClrLst>
-    <dgm:linClrLst meth="repeat">
-      <a:schemeClr val="accent1">
-        <a:shade val="80000"/>
-      </a:schemeClr>
-    </dgm:linClrLst>
-    <dgm:effectClrLst/>
-    <dgm:txLinClrLst/>
-    <dgm:txFillClrLst meth="repeat">
-      <a:schemeClr val="tx1"/>
-    </dgm:txFillClrLst>
-    <dgm:txEffectClrLst/>
-  </dgm:styleLbl>
-  <dgm:styleLbl name="parChTrans1D4">
-    <dgm:fillClrLst meth="repeat">
-      <a:schemeClr val="accent1"/>
-    </dgm:fillClrLst>
-    <dgm:linClrLst meth="repeat">
-      <a:schemeClr val="accent1">
-        <a:shade val="80000"/>
-      </a:schemeClr>
-    </dgm:linClrLst>
-    <dgm:effectClrLst/>
-    <dgm:txLinClrLst/>
-    <dgm:txFillClrLst meth="repeat">
-      <a:schemeClr val="tx1"/>
-    </dgm:txFillClrLst>
-    <dgm:txEffectClrLst/>
-  </dgm:styleLbl>
-  <dgm:styleLbl name="fgAcc1">
-    <dgm:fillClrLst meth="repeat">
-      <a:schemeClr val="lt1">
-        <a:alpha val="90000"/>
-      </a:schemeClr>
-    </dgm:fillClrLst>
-    <dgm:linClrLst meth="repeat">
-      <a:schemeClr val="accent1"/>
-    </dgm:linClrLst>
-    <dgm:effectClrLst/>
-    <dgm:txLinClrLst/>
-    <dgm:txFillClrLst meth="repeat">
-      <a:schemeClr val="dk1"/>
-    </dgm:txFillClrLst>
-    <dgm:txEffectClrLst/>
-  </dgm:styleLbl>
-  <dgm:styleLbl name="conFgAcc1">
-    <dgm:fillClrLst meth="repeat">
-      <a:schemeClr val="lt1">
-        <a:alpha val="90000"/>
-      </a:schemeClr>
-    </dgm:fillClrLst>
-    <dgm:linClrLst meth="repeat">
-      <a:schemeClr val="accent1"/>
-    </dgm:linClrLst>
-    <dgm:effectClrLst/>
-    <dgm:txLinClrLst/>
-    <dgm:txFillClrLst meth="repeat">
-      <a:schemeClr val="dk1"/>
-    </dgm:txFillClrLst>
-    <dgm:txEffectClrLst/>
-  </dgm:styleLbl>
-  <dgm:styleLbl name="alignAcc1">
-    <dgm:fillClrLst meth="repeat">
-      <a:schemeClr val="lt1">
-        <a:alpha val="90000"/>
-      </a:schemeClr>
-    </dgm:fillClrLst>
-    <dgm:linClrLst meth="repeat">
-      <a:schemeClr val="accent1"/>
-    </dgm:linClrLst>
-    <dgm:effectClrLst/>
-    <dgm:txLinClrLst/>
-    <dgm:txFillClrLst meth="repeat">
-      <a:schemeClr val="dk1"/>
-    </dgm:txFillClrLst>
-    <dgm:txEffectClrLst/>
-  </dgm:styleLbl>
-  <dgm:styleLbl name="trAlignAcc1">
-    <dgm:fillClrLst meth="repeat">
-      <a:schemeClr val="lt1">
-        <a:alpha val="40000"/>
-      </a:schemeClr>
-    </dgm:fillClrLst>
-    <dgm:linClrLst meth="repeat">
-      <a:schemeClr val="accent1"/>
-    </dgm:linClrLst>
-    <dgm:effectClrLst/>
-    <dgm:txLinClrLst/>
-    <dgm:txFillClrLst meth="repeat">
-      <a:schemeClr val="dk1"/>
-    </dgm:txFillClrLst>
-    <dgm:txEffectClrLst/>
-  </dgm:styleLbl>
-  <dgm:styleLbl name="bgAcc1">
-    <dgm:fillClrLst meth="repeat">
-      <a:schemeClr val="lt1">
-        <a:alpha val="90000"/>
-      </a:schemeClr>
-    </dgm:fillClrLst>
-    <dgm:linClrLst meth="repeat">
-      <a:schemeClr val="accent1"/>
-    </dgm:linClrLst>
-    <dgm:effectClrLst/>
-    <dgm:txLinClrLst/>
-    <dgm:txFillClrLst meth="repeat">
-      <a:schemeClr val="dk1"/>
-    </dgm:txFillClrLst>
-    <dgm:txEffectClrLst/>
-  </dgm:styleLbl>
-  <dgm:styleLbl name="solidFgAcc1">
-    <dgm:fillClrLst meth="repeat">
-      <a:schemeClr val="lt1"/>
-    </dgm:fillClrLst>
-    <dgm:linClrLst meth="repeat">
-      <a:schemeClr val="accent1"/>
-    </dgm:linClrLst>
-    <dgm:effectClrLst/>
-    <dgm:txLinClrLst/>
-    <dgm:txFillClrLst meth="repeat">
-      <a:schemeClr val="dk1"/>
-    </dgm:txFillClrLst>
-    <dgm:txEffectClrLst/>
-  </dgm:styleLbl>
-  <dgm:styleLbl name="solidAlignAcc1">
-    <dgm:fillClrLst meth="repeat">
-      <a:schemeClr val="lt1"/>
-    </dgm:fillClrLst>
-    <dgm:linClrLst meth="repeat">
-      <a:schemeClr val="accent1"/>
-    </dgm:linClrLst>
-    <dgm:effectClrLst/>
-    <dgm:txLinClrLst/>
-    <dgm:txFillClrLst meth="repeat">
-      <a:schemeClr val="dk1"/>
-    </dgm:txFillClrLst>
-    <dgm:txEffectClrLst/>
-  </dgm:styleLbl>
-  <dgm:styleLbl name="solidBgAcc1">
-    <dgm:fillClrLst meth="repeat">
-      <a:schemeClr val="lt1"/>
-    </dgm:fillClrLst>
-    <dgm:linClrLst meth="repeat">
-      <a:schemeClr val="accent1"/>
-    </dgm:linClrLst>
-    <dgm:effectClrLst/>
-    <dgm:txLinClrLst/>
-    <dgm:txFillClrLst meth="repeat">
-      <a:schemeClr val="dk1"/>
-    </dgm:txFillClrLst>
-    <dgm:txEffectClrLst/>
-  </dgm:styleLbl>
-  <dgm:styleLbl name="fgAccFollowNode1">
-    <dgm:fillClrLst meth="repeat">
-      <a:schemeClr val="accent1">
-        <a:alpha val="90000"/>
-        <a:tint val="40000"/>
-      </a:schemeClr>
-    </dgm:fillClrLst>
-    <dgm:linClrLst meth="repeat">
-      <a:schemeClr val="accent1">
-        <a:alpha val="90000"/>
-        <a:tint val="40000"/>
-      </a:schemeClr>
-    </dgm:linClrLst>
-    <dgm:effectClrLst/>
-    <dgm:txLinClrLst/>
-    <dgm:txFillClrLst meth="repeat">
-      <a:schemeClr val="dk1"/>
-    </dgm:txFillClrLst>
-    <dgm:txEffectClrLst/>
-  </dgm:styleLbl>
-  <dgm:styleLbl name="alignAccFollowNode1">
-    <dgm:fillClrLst meth="repeat">
-      <a:schemeClr val="accent1">
-        <a:alpha val="90000"/>
-        <a:tint val="40000"/>
-      </a:schemeClr>
-    </dgm:fillClrLst>
-    <dgm:linClrLst meth="repeat">
-      <a:schemeClr val="accent1">
-        <a:alpha val="90000"/>
-        <a:tint val="40000"/>
-      </a:schemeClr>
-    </dgm:linClrLst>
-    <dgm:effectClrLst/>
-    <dgm:txLinClrLst/>
-    <dgm:txFillClrLst meth="repeat">
-      <a:schemeClr val="dk1"/>
-    </dgm:txFillClrLst>
-    <dgm:txEffectClrLst/>
-  </dgm:styleLbl>
-  <dgm:styleLbl name="bgAccFollowNode1">
-    <dgm:fillClrLst meth="repeat">
-      <a:schemeClr val="accent1">
-        <a:alpha val="90000"/>
-        <a:tint val="40000"/>
-      </a:schemeClr>
-    </dgm:fillClrLst>
-    <dgm:linClrLst meth="repeat">
-      <a:schemeClr val="accent1">
-        <a:alpha val="90000"/>
-        <a:tint val="40000"/>
-      </a:schemeClr>
-    </dgm:linClrLst>
-    <dgm:effectClrLst/>
-    <dgm:txLinClrLst/>
-    <dgm:txFillClrLst meth="repeat">
-      <a:schemeClr val="dk1"/>
-    </dgm:txFillClrLst>
-    <dgm:txEffectClrLst/>
-  </dgm:styleLbl>
-  <dgm:styleLbl name="fgAcc0">
-    <dgm:fillClrLst meth="repeat">
-      <a:schemeClr val="lt1">
-        <a:alpha val="90000"/>
-      </a:schemeClr>
-    </dgm:fillClrLst>
-    <dgm:linClrLst meth="repeat">
-      <a:schemeClr val="accent1"/>
-    </dgm:linClrLst>
-    <dgm:effectClrLst/>
-    <dgm:txLinClrLst/>
-    <dgm:txFillClrLst meth="repeat">
-      <a:schemeClr val="dk1"/>
-    </dgm:txFillClrLst>
-    <dgm:txEffectClrLst/>
-  </dgm:styleLbl>
-  <dgm:styleLbl name="fgAcc2">
-    <dgm:fillClrLst meth="repeat">
-      <a:schemeClr val="lt1">
-        <a:alpha val="90000"/>
-      </a:schemeClr>
-    </dgm:fillClrLst>
-    <dgm:linClrLst meth="repeat">
-      <a:schemeClr val="accent1"/>
-    </dgm:linClrLst>
-    <dgm:effectClrLst/>
-    <dgm:txLinClrLst/>
-    <dgm:txFillClrLst meth="repeat">
-      <a:schemeClr val="dk1"/>
-    </dgm:txFillClrLst>
-    <dgm:txEffectClrLst/>
-  </dgm:styleLbl>
-  <dgm:styleLbl name="fgAcc3">
-    <dgm:fillClrLst meth="repeat">
-      <a:schemeClr val="lt1">
-        <a:alpha val="90000"/>
-      </a:schemeClr>
-    </dgm:fillClrLst>
-    <dgm:linClrLst meth="repeat">
-      <a:schemeClr val="accent1"/>
-    </dgm:linClrLst>
-    <dgm:effectClrLst/>
-    <dgm:txLinClrLst/>
-    <dgm:txFillClrLst meth="repeat">
-      <a:schemeClr val="dk1"/>
-    </dgm:txFillClrLst>
-    <dgm:txEffectClrLst/>
-  </dgm:styleLbl>
-  <dgm:styleLbl name="fgAcc4">
-    <dgm:fillClrLst meth="repeat">
-      <a:schemeClr val="lt1">
-        <a:alpha val="90000"/>
-      </a:schemeClr>
-    </dgm:fillClrLst>
-    <dgm:linClrLst meth="repeat">
-      <a:schemeClr val="accent1"/>
-    </dgm:linClrLst>
-    <dgm:effectClrLst/>
-    <dgm:txLinClrLst/>
-    <dgm:txFillClrLst meth="repeat">
-      <a:schemeClr val="dk1"/>
-    </dgm:txFillClrLst>
-    <dgm:txEffectClrLst/>
-  </dgm:styleLbl>
-  <dgm:styleLbl name="bgShp">
-    <dgm:fillClrLst meth="repeat">
-      <a:schemeClr val="accent1">
-        <a:tint val="40000"/>
-      </a:schemeClr>
-    </dgm:fillClrLst>
-    <dgm:linClrLst meth="repeat">
-      <a:schemeClr val="accent1"/>
-    </dgm:linClrLst>
-    <dgm:effectClrLst/>
-    <dgm:txLinClrLst/>
-    <dgm:txFillClrLst meth="repeat">
-      <a:schemeClr val="dk1"/>
-    </dgm:txFillClrLst>
-    <dgm:txEffectClrLst/>
-  </dgm:styleLbl>
-  <dgm:styleLbl name="dkBgShp">
-    <dgm:fillClrLst meth="repeat">
-      <a:schemeClr val="accent1">
-        <a:shade val="80000"/>
-      </a:schemeClr>
-    </dgm:fillClrLst>
-    <dgm:linClrLst meth="repeat">
-      <a:schemeClr val="accent1"/>
-    </dgm:linClrLst>
-    <dgm:effectClrLst/>
-    <dgm:txLinClrLst/>
-    <dgm:txFillClrLst meth="repeat">
-      <a:schemeClr val="lt1"/>
-    </dgm:txFillClrLst>
-    <dgm:txEffectClrLst/>
-  </dgm:styleLbl>
-  <dgm:styleLbl name="trBgShp">
-    <dgm:fillClrLst meth="repeat">
-      <a:schemeClr val="accent1">
-        <a:tint val="50000"/>
-        <a:alpha val="40000"/>
-      </a:schemeClr>
-    </dgm:fillClrLst>
-    <dgm:linClrLst meth="repeat">
-      <a:schemeClr val="accent1"/>
-    </dgm:linClrLst>
-    <dgm:effectClrLst/>
-    <dgm:txLinClrLst/>
-    <dgm:txFillClrLst meth="repeat">
-      <a:schemeClr val="lt1"/>
-    </dgm:txFillClrLst>
-    <dgm:txEffectClrLst/>
-  </dgm:styleLbl>
-  <dgm:styleLbl name="fgShp">
-    <dgm:fillClrLst meth="repeat">
-      <a:schemeClr val="accent1">
-        <a:tint val="60000"/>
-      </a:schemeClr>
-    </dgm:fillClrLst>
-    <dgm:linClrLst meth="repeat">
-      <a:schemeClr val="lt1"/>
-    </dgm:linClrLst>
-    <dgm:effectClrLst/>
-    <dgm:txLinClrLst/>
-    <dgm:txFillClrLst meth="repeat">
-      <a:schemeClr val="dk1"/>
-    </dgm:txFillClrLst>
-    <dgm:txEffectClrLst/>
-  </dgm:styleLbl>
-  <dgm:styleLbl name="revTx">
-    <dgm:fillClrLst meth="repeat">
-      <a:schemeClr val="lt1">
-        <a:alpha val="0"/>
-      </a:schemeClr>
-    </dgm:fillClrLst>
-    <dgm:linClrLst meth="repeat">
-      <a:schemeClr val="dk1">
-        <a:alpha val="0"/>
-      </a:schemeClr>
-    </dgm:linClrLst>
-    <dgm:effectClrLst/>
-    <dgm:txLinClrLst/>
-    <dgm:txFillClrLst meth="repeat">
-      <a:schemeClr val="tx1"/>
-    </dgm:txFillClrLst>
-    <dgm:txEffectClrLst/>
-  </dgm:styleLbl>
-</dgm:colorsDef>
-</file>
-
-<file path=ppt/diagrams/data1.xml><?xml version="1.0" encoding="utf-8"?>
-<dgm:dataModel xmlns:dgm="http://schemas.openxmlformats.org/drawingml/2006/diagram" xmlns:a="http://schemas.openxmlformats.org/drawingml/2006/main">
-  <dgm:ptLst>
-    <dgm:pt modelId="{A1D463D4-5E46-4829-A227-70017115CADE}" type="doc">
-      <dgm:prSet loTypeId="urn:microsoft.com/office/officeart/2008/layout/AlternatingHexagons" loCatId="list" qsTypeId="urn:microsoft.com/office/officeart/2005/8/quickstyle/simple1" qsCatId="simple" csTypeId="urn:microsoft.com/office/officeart/2005/8/colors/accent1_2" csCatId="accent1" phldr="1"/>
-      <dgm:spPr/>
-      <dgm:t>
-        <a:bodyPr/>
-        <a:lstStyle/>
-        <a:p>
-          <a:endParaRPr lang="en-US"/>
-        </a:p>
-      </dgm:t>
-    </dgm:pt>
-    <dgm:pt modelId="{89EA5572-A0F5-444B-BD63-B5F7AB835BC9}">
-      <dgm:prSet phldrT="[Text]"/>
-      <dgm:spPr/>
-      <dgm:t>
-        <a:bodyPr/>
-        <a:lstStyle/>
-        <a:p>
-          <a:r>
-            <a:rPr lang="en-US" dirty="0"/>
-            <a:t>Customer</a:t>
-          </a:r>
-        </a:p>
-      </dgm:t>
-    </dgm:pt>
-    <dgm:pt modelId="{5471F148-25B3-4F5C-AF41-23C09335CF2F}" type="parTrans" cxnId="{3BC60860-B576-49D5-B4E7-3CC57C2C2529}">
-      <dgm:prSet/>
-      <dgm:spPr/>
-      <dgm:t>
-        <a:bodyPr/>
-        <a:lstStyle/>
-        <a:p>
-          <a:endParaRPr lang="en-US"/>
-        </a:p>
-      </dgm:t>
-    </dgm:pt>
-    <dgm:pt modelId="{286E2A9F-4279-402E-B825-0E2CBDB29581}" type="sibTrans" cxnId="{3BC60860-B576-49D5-B4E7-3CC57C2C2529}">
-      <dgm:prSet/>
-      <dgm:spPr/>
-      <dgm:t>
-        <a:bodyPr/>
-        <a:lstStyle/>
-        <a:p>
-          <a:endParaRPr lang="en-US"/>
-        </a:p>
-      </dgm:t>
-    </dgm:pt>
-    <dgm:pt modelId="{1CA842EB-9174-4D37-8785-948AAB4DD74F}">
-      <dgm:prSet phldrT="[Text]"/>
-      <dgm:spPr/>
-      <dgm:t>
-        <a:bodyPr/>
-        <a:lstStyle/>
-        <a:p>
-          <a:r>
-            <a:rPr lang="en-US" dirty="0"/>
-            <a:t>Support</a:t>
-          </a:r>
-        </a:p>
-      </dgm:t>
-    </dgm:pt>
-    <dgm:pt modelId="{1F206C72-2FD6-4C96-918D-5A1B6CB74CE7}" type="parTrans" cxnId="{97CBBE1B-1044-4564-AE84-09FB85333D80}">
-      <dgm:prSet/>
-      <dgm:spPr/>
-      <dgm:t>
-        <a:bodyPr/>
-        <a:lstStyle/>
-        <a:p>
-          <a:endParaRPr lang="en-US"/>
-        </a:p>
-      </dgm:t>
-    </dgm:pt>
-    <dgm:pt modelId="{3A80DDBA-5C84-4390-9B80-D8A95B0BD17C}" type="sibTrans" cxnId="{97CBBE1B-1044-4564-AE84-09FB85333D80}">
-      <dgm:prSet/>
-      <dgm:spPr/>
-      <dgm:t>
-        <a:bodyPr/>
-        <a:lstStyle/>
-        <a:p>
-          <a:endParaRPr lang="en-US"/>
-        </a:p>
-      </dgm:t>
-    </dgm:pt>
-    <dgm:pt modelId="{464D8B53-ED74-4471-B212-2EA13CA21A8E}">
-      <dgm:prSet phldrT="[Text]"/>
-      <dgm:spPr/>
-      <dgm:t>
-        <a:bodyPr/>
-        <a:lstStyle/>
-        <a:p>
-          <a:r>
-            <a:rPr lang="en-US" dirty="0"/>
-            <a:t>Development</a:t>
-          </a:r>
-        </a:p>
-      </dgm:t>
-    </dgm:pt>
-    <dgm:pt modelId="{F279CF4F-F4B5-483B-AFCD-7BF5D39E33E0}" type="parTrans" cxnId="{E6A46A25-E9EE-4345-B42C-A126E5FEE3DE}">
-      <dgm:prSet/>
-      <dgm:spPr/>
-      <dgm:t>
-        <a:bodyPr/>
-        <a:lstStyle/>
-        <a:p>
-          <a:endParaRPr lang="en-US"/>
-        </a:p>
-      </dgm:t>
-    </dgm:pt>
-    <dgm:pt modelId="{523CAD5E-A02F-4CF0-8663-733A7ACFDE3A}" type="sibTrans" cxnId="{E6A46A25-E9EE-4345-B42C-A126E5FEE3DE}">
-      <dgm:prSet/>
-      <dgm:spPr/>
-      <dgm:t>
-        <a:bodyPr/>
-        <a:lstStyle/>
-        <a:p>
-          <a:endParaRPr lang="en-US"/>
-        </a:p>
-      </dgm:t>
-    </dgm:pt>
-    <dgm:pt modelId="{E3B35A4D-4E2E-4E89-A262-1D4C33C16E43}">
-      <dgm:prSet phldrT="[Text]"/>
-      <dgm:spPr/>
-      <dgm:t>
-        <a:bodyPr/>
-        <a:lstStyle/>
-        <a:p>
-          <a:r>
-            <a:rPr lang="en-US" dirty="0"/>
-            <a:t>Tool</a:t>
-          </a:r>
-        </a:p>
-      </dgm:t>
-    </dgm:pt>
-    <dgm:pt modelId="{34F720C3-ADFC-4E21-A49E-EBA536B5D991}" type="parTrans" cxnId="{C7FAD216-DA64-4614-BC17-B5D57F2298FF}">
-      <dgm:prSet/>
-      <dgm:spPr/>
-      <dgm:t>
-        <a:bodyPr/>
-        <a:lstStyle/>
-        <a:p>
-          <a:endParaRPr lang="en-US"/>
-        </a:p>
-      </dgm:t>
-    </dgm:pt>
-    <dgm:pt modelId="{D144D247-860B-4521-BB76-C470B067ACB6}" type="sibTrans" cxnId="{C7FAD216-DA64-4614-BC17-B5D57F2298FF}">
-      <dgm:prSet/>
-      <dgm:spPr/>
-      <dgm:t>
-        <a:bodyPr/>
-        <a:lstStyle/>
-        <a:p>
-          <a:endParaRPr lang="en-US"/>
-        </a:p>
-      </dgm:t>
-    </dgm:pt>
-    <dgm:pt modelId="{102CAA2B-F8DD-4DEE-B21E-64CFA4C3FBBE}">
-      <dgm:prSet phldrT="[Text]"/>
-      <dgm:spPr/>
-      <dgm:t>
-        <a:bodyPr/>
-        <a:lstStyle/>
-        <a:p>
-          <a:r>
-            <a:rPr lang="en-US" dirty="0"/>
-            <a:t>Personal</a:t>
-          </a:r>
-        </a:p>
-      </dgm:t>
-    </dgm:pt>
-    <dgm:pt modelId="{86D0021C-4614-4F9B-8EB5-133075B23D3C}" type="parTrans" cxnId="{725AF098-8E9B-4D49-954F-1E453022FE3C}">
-      <dgm:prSet/>
-      <dgm:spPr/>
-      <dgm:t>
-        <a:bodyPr/>
-        <a:lstStyle/>
-        <a:p>
-          <a:endParaRPr lang="en-US"/>
-        </a:p>
-      </dgm:t>
-    </dgm:pt>
-    <dgm:pt modelId="{CE8116B8-C71A-41A6-ACF2-6C29A3854B62}" type="sibTrans" cxnId="{725AF098-8E9B-4D49-954F-1E453022FE3C}">
-      <dgm:prSet/>
-      <dgm:spPr/>
-      <dgm:t>
-        <a:bodyPr/>
-        <a:lstStyle/>
-        <a:p>
-          <a:endParaRPr lang="en-US"/>
-        </a:p>
-      </dgm:t>
-    </dgm:pt>
-    <dgm:pt modelId="{C4DD50B8-37F2-4310-ABC2-A55EC2BE15E4}">
-      <dgm:prSet phldrT="[Text]"/>
-      <dgm:spPr/>
-      <dgm:t>
-        <a:bodyPr/>
-        <a:lstStyle/>
-        <a:p>
-          <a:r>
-            <a:rPr lang="en-US" dirty="0"/>
-            <a:t>Details</a:t>
-          </a:r>
-        </a:p>
-      </dgm:t>
-    </dgm:pt>
-    <dgm:pt modelId="{6892B8D1-D25E-4A97-AD4D-BACF9CC7EF18}" type="parTrans" cxnId="{4F4FE043-C61B-4183-B1B9-F1D327C45DF3}">
-      <dgm:prSet/>
-      <dgm:spPr/>
-      <dgm:t>
-        <a:bodyPr/>
-        <a:lstStyle/>
-        <a:p>
-          <a:endParaRPr lang="en-US"/>
-        </a:p>
-      </dgm:t>
-    </dgm:pt>
-    <dgm:pt modelId="{0412EF5C-B357-4B38-A6B1-0BAD47F9DA85}" type="sibTrans" cxnId="{4F4FE043-C61B-4183-B1B9-F1D327C45DF3}">
-      <dgm:prSet/>
-      <dgm:spPr/>
-      <dgm:t>
-        <a:bodyPr/>
-        <a:lstStyle/>
-        <a:p>
-          <a:endParaRPr lang="en-US"/>
-        </a:p>
-      </dgm:t>
-    </dgm:pt>
-    <dgm:pt modelId="{CD8E44A3-A113-4981-9FC3-07596B07B32B}" type="pres">
-      <dgm:prSet presAssocID="{A1D463D4-5E46-4829-A227-70017115CADE}" presName="Name0" presStyleCnt="0">
-        <dgm:presLayoutVars>
-          <dgm:chMax/>
-          <dgm:chPref/>
-          <dgm:dir/>
-          <dgm:animLvl val="lvl"/>
-        </dgm:presLayoutVars>
-      </dgm:prSet>
-      <dgm:spPr/>
-    </dgm:pt>
-    <dgm:pt modelId="{94AE7D6E-16C7-42B9-97DC-61F44F0EB43D}" type="pres">
-      <dgm:prSet presAssocID="{89EA5572-A0F5-444B-BD63-B5F7AB835BC9}" presName="composite" presStyleCnt="0"/>
-      <dgm:spPr/>
-    </dgm:pt>
-    <dgm:pt modelId="{EB8B37C4-FC30-4004-AA7D-2FDF5B5F0A10}" type="pres">
-      <dgm:prSet presAssocID="{89EA5572-A0F5-444B-BD63-B5F7AB835BC9}" presName="Parent1" presStyleLbl="node1" presStyleIdx="0" presStyleCnt="6">
-        <dgm:presLayoutVars>
-          <dgm:chMax val="1"/>
-          <dgm:chPref val="1"/>
-          <dgm:bulletEnabled val="1"/>
-        </dgm:presLayoutVars>
-      </dgm:prSet>
-      <dgm:spPr/>
-    </dgm:pt>
-    <dgm:pt modelId="{8A13994F-D49A-4158-8D3F-F78FA83D3B97}" type="pres">
-      <dgm:prSet presAssocID="{89EA5572-A0F5-444B-BD63-B5F7AB835BC9}" presName="Childtext1" presStyleLbl="revTx" presStyleIdx="0" presStyleCnt="3">
-        <dgm:presLayoutVars>
-          <dgm:chMax val="0"/>
-          <dgm:chPref val="0"/>
-          <dgm:bulletEnabled val="1"/>
-        </dgm:presLayoutVars>
-      </dgm:prSet>
-      <dgm:spPr/>
-    </dgm:pt>
-    <dgm:pt modelId="{820A145D-DC3E-4922-840F-A980720E2C25}" type="pres">
-      <dgm:prSet presAssocID="{89EA5572-A0F5-444B-BD63-B5F7AB835BC9}" presName="BalanceSpacing" presStyleCnt="0"/>
-      <dgm:spPr/>
-    </dgm:pt>
-    <dgm:pt modelId="{6B73610D-CE06-4D28-BAB5-DED86B3CB33E}" type="pres">
-      <dgm:prSet presAssocID="{89EA5572-A0F5-444B-BD63-B5F7AB835BC9}" presName="BalanceSpacing1" presStyleCnt="0"/>
-      <dgm:spPr/>
-    </dgm:pt>
-    <dgm:pt modelId="{A3A45FDC-0BA9-48D0-87E7-D12AAD33ADE6}" type="pres">
-      <dgm:prSet presAssocID="{286E2A9F-4279-402E-B825-0E2CBDB29581}" presName="Accent1Text" presStyleLbl="node1" presStyleIdx="1" presStyleCnt="6"/>
-      <dgm:spPr/>
-    </dgm:pt>
-    <dgm:pt modelId="{1B036340-017A-460E-91D7-63ABC92CCEE7}" type="pres">
-      <dgm:prSet presAssocID="{286E2A9F-4279-402E-B825-0E2CBDB29581}" presName="spaceBetweenRectangles" presStyleCnt="0"/>
-      <dgm:spPr/>
-    </dgm:pt>
-    <dgm:pt modelId="{361D960F-33D0-4EEE-AFF6-B5CF2D3E4B09}" type="pres">
-      <dgm:prSet presAssocID="{464D8B53-ED74-4471-B212-2EA13CA21A8E}" presName="composite" presStyleCnt="0"/>
-      <dgm:spPr/>
-    </dgm:pt>
-    <dgm:pt modelId="{60D81187-E020-487E-AAB7-B5729DF5DAED}" type="pres">
-      <dgm:prSet presAssocID="{464D8B53-ED74-4471-B212-2EA13CA21A8E}" presName="Parent1" presStyleLbl="node1" presStyleIdx="2" presStyleCnt="6">
-        <dgm:presLayoutVars>
-          <dgm:chMax val="1"/>
-          <dgm:chPref val="1"/>
-          <dgm:bulletEnabled val="1"/>
-        </dgm:presLayoutVars>
-      </dgm:prSet>
-      <dgm:spPr/>
-    </dgm:pt>
-    <dgm:pt modelId="{8F15F0E2-A739-4E0F-9728-ADA4AA103421}" type="pres">
-      <dgm:prSet presAssocID="{464D8B53-ED74-4471-B212-2EA13CA21A8E}" presName="Childtext1" presStyleLbl="revTx" presStyleIdx="1" presStyleCnt="3">
-        <dgm:presLayoutVars>
-          <dgm:chMax val="0"/>
-          <dgm:chPref val="0"/>
-          <dgm:bulletEnabled val="1"/>
-        </dgm:presLayoutVars>
-      </dgm:prSet>
-      <dgm:spPr/>
-    </dgm:pt>
-    <dgm:pt modelId="{9147257B-B5E4-4A37-AA6D-38B6A3253512}" type="pres">
-      <dgm:prSet presAssocID="{464D8B53-ED74-4471-B212-2EA13CA21A8E}" presName="BalanceSpacing" presStyleCnt="0"/>
-      <dgm:spPr/>
-    </dgm:pt>
-    <dgm:pt modelId="{66DC2105-96B6-4EC6-856E-3381DC793605}" type="pres">
-      <dgm:prSet presAssocID="{464D8B53-ED74-4471-B212-2EA13CA21A8E}" presName="BalanceSpacing1" presStyleCnt="0"/>
-      <dgm:spPr/>
-    </dgm:pt>
-    <dgm:pt modelId="{3CB1DD77-A7DA-4C8B-8801-2BF5D7AF0DEB}" type="pres">
-      <dgm:prSet presAssocID="{523CAD5E-A02F-4CF0-8663-733A7ACFDE3A}" presName="Accent1Text" presStyleLbl="node1" presStyleIdx="3" presStyleCnt="6"/>
-      <dgm:spPr/>
-    </dgm:pt>
-    <dgm:pt modelId="{DBF2D4CA-3D0E-4640-874E-267348BE4DCD}" type="pres">
-      <dgm:prSet presAssocID="{523CAD5E-A02F-4CF0-8663-733A7ACFDE3A}" presName="spaceBetweenRectangles" presStyleCnt="0"/>
-      <dgm:spPr/>
-    </dgm:pt>
-    <dgm:pt modelId="{BF5C1752-51A8-458D-9003-4BC261A85EB4}" type="pres">
-      <dgm:prSet presAssocID="{102CAA2B-F8DD-4DEE-B21E-64CFA4C3FBBE}" presName="composite" presStyleCnt="0"/>
-      <dgm:spPr/>
-    </dgm:pt>
-    <dgm:pt modelId="{E15322BA-E40D-4BA8-A1EB-CAC67AC64C03}" type="pres">
-      <dgm:prSet presAssocID="{102CAA2B-F8DD-4DEE-B21E-64CFA4C3FBBE}" presName="Parent1" presStyleLbl="node1" presStyleIdx="4" presStyleCnt="6">
-        <dgm:presLayoutVars>
-          <dgm:chMax val="1"/>
-          <dgm:chPref val="1"/>
-          <dgm:bulletEnabled val="1"/>
-        </dgm:presLayoutVars>
-      </dgm:prSet>
-      <dgm:spPr/>
-    </dgm:pt>
-    <dgm:pt modelId="{1C776C71-E52D-4672-A82E-2D1E4CB80C50}" type="pres">
-      <dgm:prSet presAssocID="{102CAA2B-F8DD-4DEE-B21E-64CFA4C3FBBE}" presName="Childtext1" presStyleLbl="revTx" presStyleIdx="2" presStyleCnt="3">
-        <dgm:presLayoutVars>
-          <dgm:chMax val="0"/>
-          <dgm:chPref val="0"/>
-          <dgm:bulletEnabled val="1"/>
-        </dgm:presLayoutVars>
-      </dgm:prSet>
-      <dgm:spPr/>
-    </dgm:pt>
-    <dgm:pt modelId="{0644EFE1-A0B7-4A03-A53C-120AD636809C}" type="pres">
-      <dgm:prSet presAssocID="{102CAA2B-F8DD-4DEE-B21E-64CFA4C3FBBE}" presName="BalanceSpacing" presStyleCnt="0"/>
-      <dgm:spPr/>
-    </dgm:pt>
-    <dgm:pt modelId="{019F3849-743F-4C2B-BB0E-5E641C27ECFF}" type="pres">
-      <dgm:prSet presAssocID="{102CAA2B-F8DD-4DEE-B21E-64CFA4C3FBBE}" presName="BalanceSpacing1" presStyleCnt="0"/>
-      <dgm:spPr/>
-    </dgm:pt>
-    <dgm:pt modelId="{6283C350-90C8-4407-8F54-02837F9F89ED}" type="pres">
-      <dgm:prSet presAssocID="{CE8116B8-C71A-41A6-ACF2-6C29A3854B62}" presName="Accent1Text" presStyleLbl="node1" presStyleIdx="5" presStyleCnt="6"/>
-      <dgm:spPr/>
-    </dgm:pt>
-  </dgm:ptLst>
-  <dgm:cxnLst>
-    <dgm:cxn modelId="{E353010B-7C1E-4E23-B29D-B9F282E61E1A}" type="presOf" srcId="{E3B35A4D-4E2E-4E89-A262-1D4C33C16E43}" destId="{8F15F0E2-A739-4E0F-9728-ADA4AA103421}" srcOrd="0" destOrd="0" presId="urn:microsoft.com/office/officeart/2008/layout/AlternatingHexagons"/>
-    <dgm:cxn modelId="{C7FAD216-DA64-4614-BC17-B5D57F2298FF}" srcId="{464D8B53-ED74-4471-B212-2EA13CA21A8E}" destId="{E3B35A4D-4E2E-4E89-A262-1D4C33C16E43}" srcOrd="0" destOrd="0" parTransId="{34F720C3-ADFC-4E21-A49E-EBA536B5D991}" sibTransId="{D144D247-860B-4521-BB76-C470B067ACB6}"/>
-    <dgm:cxn modelId="{97CBBE1B-1044-4564-AE84-09FB85333D80}" srcId="{89EA5572-A0F5-444B-BD63-B5F7AB835BC9}" destId="{1CA842EB-9174-4D37-8785-948AAB4DD74F}" srcOrd="0" destOrd="0" parTransId="{1F206C72-2FD6-4C96-918D-5A1B6CB74CE7}" sibTransId="{3A80DDBA-5C84-4390-9B80-D8A95B0BD17C}"/>
-    <dgm:cxn modelId="{5C3B5A1F-1CEB-426E-B667-F8FDD7941888}" type="presOf" srcId="{A1D463D4-5E46-4829-A227-70017115CADE}" destId="{CD8E44A3-A113-4981-9FC3-07596B07B32B}" srcOrd="0" destOrd="0" presId="urn:microsoft.com/office/officeart/2008/layout/AlternatingHexagons"/>
-    <dgm:cxn modelId="{E6A46A25-E9EE-4345-B42C-A126E5FEE3DE}" srcId="{A1D463D4-5E46-4829-A227-70017115CADE}" destId="{464D8B53-ED74-4471-B212-2EA13CA21A8E}" srcOrd="1" destOrd="0" parTransId="{F279CF4F-F4B5-483B-AFCD-7BF5D39E33E0}" sibTransId="{523CAD5E-A02F-4CF0-8663-733A7ACFDE3A}"/>
-    <dgm:cxn modelId="{CF8B5C3A-259D-4412-995C-7BA35B082FB9}" type="presOf" srcId="{89EA5572-A0F5-444B-BD63-B5F7AB835BC9}" destId="{EB8B37C4-FC30-4004-AA7D-2FDF5B5F0A10}" srcOrd="0" destOrd="0" presId="urn:microsoft.com/office/officeart/2008/layout/AlternatingHexagons"/>
-    <dgm:cxn modelId="{3BC60860-B576-49D5-B4E7-3CC57C2C2529}" srcId="{A1D463D4-5E46-4829-A227-70017115CADE}" destId="{89EA5572-A0F5-444B-BD63-B5F7AB835BC9}" srcOrd="0" destOrd="0" parTransId="{5471F148-25B3-4F5C-AF41-23C09335CF2F}" sibTransId="{286E2A9F-4279-402E-B825-0E2CBDB29581}"/>
-    <dgm:cxn modelId="{4F4FE043-C61B-4183-B1B9-F1D327C45DF3}" srcId="{102CAA2B-F8DD-4DEE-B21E-64CFA4C3FBBE}" destId="{C4DD50B8-37F2-4310-ABC2-A55EC2BE15E4}" srcOrd="0" destOrd="0" parTransId="{6892B8D1-D25E-4A97-AD4D-BACF9CC7EF18}" sibTransId="{0412EF5C-B357-4B38-A6B1-0BAD47F9DA85}"/>
-    <dgm:cxn modelId="{997A5F45-7A1B-4494-984E-F5826E8936DC}" type="presOf" srcId="{1CA842EB-9174-4D37-8785-948AAB4DD74F}" destId="{8A13994F-D49A-4158-8D3F-F78FA83D3B97}" srcOrd="0" destOrd="0" presId="urn:microsoft.com/office/officeart/2008/layout/AlternatingHexagons"/>
-    <dgm:cxn modelId="{39B83867-C4BB-4682-9C75-7A29FE6D8D64}" type="presOf" srcId="{523CAD5E-A02F-4CF0-8663-733A7ACFDE3A}" destId="{3CB1DD77-A7DA-4C8B-8801-2BF5D7AF0DEB}" srcOrd="0" destOrd="0" presId="urn:microsoft.com/office/officeart/2008/layout/AlternatingHexagons"/>
-    <dgm:cxn modelId="{C0263F70-ECB6-4CBD-A59F-4FD59FB5E740}" type="presOf" srcId="{286E2A9F-4279-402E-B825-0E2CBDB29581}" destId="{A3A45FDC-0BA9-48D0-87E7-D12AAD33ADE6}" srcOrd="0" destOrd="0" presId="urn:microsoft.com/office/officeart/2008/layout/AlternatingHexagons"/>
-    <dgm:cxn modelId="{DC71DD7E-1678-43E1-99A2-EFE81B316F24}" type="presOf" srcId="{102CAA2B-F8DD-4DEE-B21E-64CFA4C3FBBE}" destId="{E15322BA-E40D-4BA8-A1EB-CAC67AC64C03}" srcOrd="0" destOrd="0" presId="urn:microsoft.com/office/officeart/2008/layout/AlternatingHexagons"/>
-    <dgm:cxn modelId="{725AF098-8E9B-4D49-954F-1E453022FE3C}" srcId="{A1D463D4-5E46-4829-A227-70017115CADE}" destId="{102CAA2B-F8DD-4DEE-B21E-64CFA4C3FBBE}" srcOrd="2" destOrd="0" parTransId="{86D0021C-4614-4F9B-8EB5-133075B23D3C}" sibTransId="{CE8116B8-C71A-41A6-ACF2-6C29A3854B62}"/>
-    <dgm:cxn modelId="{85C054B9-ABB1-4FD7-89BB-7A490D567E00}" type="presOf" srcId="{CE8116B8-C71A-41A6-ACF2-6C29A3854B62}" destId="{6283C350-90C8-4407-8F54-02837F9F89ED}" srcOrd="0" destOrd="0" presId="urn:microsoft.com/office/officeart/2008/layout/AlternatingHexagons"/>
-    <dgm:cxn modelId="{32E48CBC-0AC2-4B7A-8957-690D6B9FE700}" type="presOf" srcId="{C4DD50B8-37F2-4310-ABC2-A55EC2BE15E4}" destId="{1C776C71-E52D-4672-A82E-2D1E4CB80C50}" srcOrd="0" destOrd="0" presId="urn:microsoft.com/office/officeart/2008/layout/AlternatingHexagons"/>
-    <dgm:cxn modelId="{637A14E8-AAF9-4DCE-BF86-04EDF7C06363}" type="presOf" srcId="{464D8B53-ED74-4471-B212-2EA13CA21A8E}" destId="{60D81187-E020-487E-AAB7-B5729DF5DAED}" srcOrd="0" destOrd="0" presId="urn:microsoft.com/office/officeart/2008/layout/AlternatingHexagons"/>
-    <dgm:cxn modelId="{BC980FFE-94B5-4AA8-B5EB-40EC9D4E15BA}" type="presParOf" srcId="{CD8E44A3-A113-4981-9FC3-07596B07B32B}" destId="{94AE7D6E-16C7-42B9-97DC-61F44F0EB43D}" srcOrd="0" destOrd="0" presId="urn:microsoft.com/office/officeart/2008/layout/AlternatingHexagons"/>
-    <dgm:cxn modelId="{80148217-4227-4799-B67B-4DB1F565E9B0}" type="presParOf" srcId="{94AE7D6E-16C7-42B9-97DC-61F44F0EB43D}" destId="{EB8B37C4-FC30-4004-AA7D-2FDF5B5F0A10}" srcOrd="0" destOrd="0" presId="urn:microsoft.com/office/officeart/2008/layout/AlternatingHexagons"/>
-    <dgm:cxn modelId="{023A6F92-BF7A-45DC-B708-533B11DA7DA1}" type="presParOf" srcId="{94AE7D6E-16C7-42B9-97DC-61F44F0EB43D}" destId="{8A13994F-D49A-4158-8D3F-F78FA83D3B97}" srcOrd="1" destOrd="0" presId="urn:microsoft.com/office/officeart/2008/layout/AlternatingHexagons"/>
-    <dgm:cxn modelId="{C591058D-F492-4E29-91C1-414D702EC6D9}" type="presParOf" srcId="{94AE7D6E-16C7-42B9-97DC-61F44F0EB43D}" destId="{820A145D-DC3E-4922-840F-A980720E2C25}" srcOrd="2" destOrd="0" presId="urn:microsoft.com/office/officeart/2008/layout/AlternatingHexagons"/>
-    <dgm:cxn modelId="{CC52C966-DF61-4A10-A059-EAFD2EFE1C6D}" type="presParOf" srcId="{94AE7D6E-16C7-42B9-97DC-61F44F0EB43D}" destId="{6B73610D-CE06-4D28-BAB5-DED86B3CB33E}" srcOrd="3" destOrd="0" presId="urn:microsoft.com/office/officeart/2008/layout/AlternatingHexagons"/>
-    <dgm:cxn modelId="{797D2A5C-BE5C-45B2-9414-464E2A4745EE}" type="presParOf" srcId="{94AE7D6E-16C7-42B9-97DC-61F44F0EB43D}" destId="{A3A45FDC-0BA9-48D0-87E7-D12AAD33ADE6}" srcOrd="4" destOrd="0" presId="urn:microsoft.com/office/officeart/2008/layout/AlternatingHexagons"/>
-    <dgm:cxn modelId="{A29EE1C1-4B2A-421F-90D1-DEFBD281D253}" type="presParOf" srcId="{CD8E44A3-A113-4981-9FC3-07596B07B32B}" destId="{1B036340-017A-460E-91D7-63ABC92CCEE7}" srcOrd="1" destOrd="0" presId="urn:microsoft.com/office/officeart/2008/layout/AlternatingHexagons"/>
-    <dgm:cxn modelId="{B9A1CA80-1BAD-43FF-AC06-5D67A50F73C4}" type="presParOf" srcId="{CD8E44A3-A113-4981-9FC3-07596B07B32B}" destId="{361D960F-33D0-4EEE-AFF6-B5CF2D3E4B09}" srcOrd="2" destOrd="0" presId="urn:microsoft.com/office/officeart/2008/layout/AlternatingHexagons"/>
-    <dgm:cxn modelId="{28867759-3A58-48B0-B633-C65A20D9D259}" type="presParOf" srcId="{361D960F-33D0-4EEE-AFF6-B5CF2D3E4B09}" destId="{60D81187-E020-487E-AAB7-B5729DF5DAED}" srcOrd="0" destOrd="0" presId="urn:microsoft.com/office/officeart/2008/layout/AlternatingHexagons"/>
-    <dgm:cxn modelId="{D3521582-1622-410C-8955-88337EABCB6A}" type="presParOf" srcId="{361D960F-33D0-4EEE-AFF6-B5CF2D3E4B09}" destId="{8F15F0E2-A739-4E0F-9728-ADA4AA103421}" srcOrd="1" destOrd="0" presId="urn:microsoft.com/office/officeart/2008/layout/AlternatingHexagons"/>
-    <dgm:cxn modelId="{8B7A72E0-82E9-46AB-BA8B-0A1A89D0F60B}" type="presParOf" srcId="{361D960F-33D0-4EEE-AFF6-B5CF2D3E4B09}" destId="{9147257B-B5E4-4A37-AA6D-38B6A3253512}" srcOrd="2" destOrd="0" presId="urn:microsoft.com/office/officeart/2008/layout/AlternatingHexagons"/>
-    <dgm:cxn modelId="{9926103B-8860-4AFD-BF3F-9ACF5AF2B116}" type="presParOf" srcId="{361D960F-33D0-4EEE-AFF6-B5CF2D3E4B09}" destId="{66DC2105-96B6-4EC6-856E-3381DC793605}" srcOrd="3" destOrd="0" presId="urn:microsoft.com/office/officeart/2008/layout/AlternatingHexagons"/>
-    <dgm:cxn modelId="{9EDE5089-E6A0-471D-BAE2-00C3E1FC6801}" type="presParOf" srcId="{361D960F-33D0-4EEE-AFF6-B5CF2D3E4B09}" destId="{3CB1DD77-A7DA-4C8B-8801-2BF5D7AF0DEB}" srcOrd="4" destOrd="0" presId="urn:microsoft.com/office/officeart/2008/layout/AlternatingHexagons"/>
-    <dgm:cxn modelId="{13B1BB55-749D-4EC4-A378-5384548EF3EF}" type="presParOf" srcId="{CD8E44A3-A113-4981-9FC3-07596B07B32B}" destId="{DBF2D4CA-3D0E-4640-874E-267348BE4DCD}" srcOrd="3" destOrd="0" presId="urn:microsoft.com/office/officeart/2008/layout/AlternatingHexagons"/>
-    <dgm:cxn modelId="{2749C83C-C8A2-43B2-8B30-EEF3046D5A7E}" type="presParOf" srcId="{CD8E44A3-A113-4981-9FC3-07596B07B32B}" destId="{BF5C1752-51A8-458D-9003-4BC261A85EB4}" srcOrd="4" destOrd="0" presId="urn:microsoft.com/office/officeart/2008/layout/AlternatingHexagons"/>
-    <dgm:cxn modelId="{E089A7CA-A5A3-45D6-B9ED-AF4C2A90BAAE}" type="presParOf" srcId="{BF5C1752-51A8-458D-9003-4BC261A85EB4}" destId="{E15322BA-E40D-4BA8-A1EB-CAC67AC64C03}" srcOrd="0" destOrd="0" presId="urn:microsoft.com/office/officeart/2008/layout/AlternatingHexagons"/>
-    <dgm:cxn modelId="{14252461-2829-4759-952E-E7FBE9D48C2E}" type="presParOf" srcId="{BF5C1752-51A8-458D-9003-4BC261A85EB4}" destId="{1C776C71-E52D-4672-A82E-2D1E4CB80C50}" srcOrd="1" destOrd="0" presId="urn:microsoft.com/office/officeart/2008/layout/AlternatingHexagons"/>
-    <dgm:cxn modelId="{D3A153F0-B40E-4A86-9DBC-B7CD549517F7}" type="presParOf" srcId="{BF5C1752-51A8-458D-9003-4BC261A85EB4}" destId="{0644EFE1-A0B7-4A03-A53C-120AD636809C}" srcOrd="2" destOrd="0" presId="urn:microsoft.com/office/officeart/2008/layout/AlternatingHexagons"/>
-    <dgm:cxn modelId="{2E98C4A6-25B8-4F60-9E85-24F219FD625D}" type="presParOf" srcId="{BF5C1752-51A8-458D-9003-4BC261A85EB4}" destId="{019F3849-743F-4C2B-BB0E-5E641C27ECFF}" srcOrd="3" destOrd="0" presId="urn:microsoft.com/office/officeart/2008/layout/AlternatingHexagons"/>
-    <dgm:cxn modelId="{B8BDD112-5965-4B1D-A32D-C7E235CAA347}" type="presParOf" srcId="{BF5C1752-51A8-458D-9003-4BC261A85EB4}" destId="{6283C350-90C8-4407-8F54-02837F9F89ED}" srcOrd="4" destOrd="0" presId="urn:microsoft.com/office/officeart/2008/layout/AlternatingHexagons"/>
-  </dgm:cxnLst>
-  <dgm:bg/>
-  <dgm:whole/>
-  <dgm:extLst>
-    <a:ext uri="http://schemas.microsoft.com/office/drawing/2008/diagram">
-      <dsp:dataModelExt xmlns:dsp="http://schemas.microsoft.com/office/drawing/2008/diagram" relId="rId7" minVer="http://schemas.openxmlformats.org/drawingml/2006/diagram"/>
-    </a:ext>
-  </dgm:extLst>
-</dgm:dataModel>
-</file>
-
-<file path=ppt/diagrams/drawing1.xml><?xml version="1.0" encoding="utf-8"?>
-<dsp:drawing xmlns:dgm="http://schemas.openxmlformats.org/drawingml/2006/diagram" xmlns:dsp="http://schemas.microsoft.com/office/drawing/2008/diagram" xmlns:a="http://schemas.openxmlformats.org/drawingml/2006/main">
-  <dsp:spTree>
-    <dsp:nvGrpSpPr>
-      <dsp:cNvPr id="0" name=""/>
-      <dsp:cNvGrpSpPr/>
-    </dsp:nvGrpSpPr>
-    <dsp:grpSpPr/>
-    <dsp:sp modelId="{EB8B37C4-FC30-4004-AA7D-2FDF5B5F0A10}">
-      <dsp:nvSpPr>
-        <dsp:cNvPr id="0" name=""/>
-        <dsp:cNvSpPr/>
-      </dsp:nvSpPr>
-      <dsp:spPr>
-        <a:xfrm rot="5400000">
-          <a:off x="3506806" y="130656"/>
-          <a:ext cx="2008628" cy="1747506"/>
-        </a:xfrm>
-        <a:prstGeom prst="hexagon">
-          <a:avLst>
-            <a:gd name="adj" fmla="val 25000"/>
-            <a:gd name="vf" fmla="val 115470"/>
-          </a:avLst>
-        </a:prstGeom>
-        <a:solidFill>
-          <a:schemeClr val="accent1">
-            <a:hueOff val="0"/>
-            <a:satOff val="0"/>
-            <a:lumOff val="0"/>
-            <a:alphaOff val="0"/>
-          </a:schemeClr>
-        </a:solidFill>
-        <a:ln w="12700" cap="flat" cmpd="sng" algn="ctr">
-          <a:solidFill>
-            <a:schemeClr val="lt1">
-              <a:hueOff val="0"/>
-              <a:satOff val="0"/>
-              <a:lumOff val="0"/>
-              <a:alphaOff val="0"/>
-            </a:schemeClr>
-          </a:solidFill>
-          <a:prstDash val="solid"/>
-          <a:miter lim="800000"/>
-        </a:ln>
-        <a:effectLst/>
-      </dsp:spPr>
-      <dsp:style>
-        <a:lnRef idx="2">
-          <a:scrgbClr r="0" g="0" b="0"/>
-        </a:lnRef>
-        <a:fillRef idx="1">
-          <a:scrgbClr r="0" g="0" b="0"/>
-        </a:fillRef>
-        <a:effectRef idx="0">
-          <a:scrgbClr r="0" g="0" b="0"/>
-        </a:effectRef>
-        <a:fontRef idx="minor">
-          <a:schemeClr val="lt1"/>
-        </a:fontRef>
-      </dsp:style>
-      <dsp:txBody>
-        <a:bodyPr spcFirstLastPara="0" vert="horz" wrap="square" lIns="57150" tIns="57150" rIns="57150" bIns="57150" numCol="1" spcCol="1270" anchor="ctr" anchorCtr="0">
-          <a:noAutofit/>
-        </a:bodyPr>
-        <a:lstStyle/>
-        <a:p>
-          <a:pPr marL="0" lvl="0" indent="0" algn="ctr" defTabSz="666750">
-            <a:lnSpc>
-              <a:spcPct val="90000"/>
-            </a:lnSpc>
-            <a:spcBef>
-              <a:spcPct val="0"/>
-            </a:spcBef>
-            <a:spcAft>
-              <a:spcPct val="35000"/>
-            </a:spcAft>
-            <a:buNone/>
-          </a:pPr>
-          <a:r>
-            <a:rPr lang="en-US" sz="1500" kern="1200" dirty="0"/>
-            <a:t>Customer</a:t>
-          </a:r>
-        </a:p>
-      </dsp:txBody>
-      <dsp:txXfrm rot="-5400000">
-        <a:off x="3909687" y="313106"/>
-        <a:ext cx="1202866" cy="1382606"/>
-      </dsp:txXfrm>
-    </dsp:sp>
-    <dsp:sp modelId="{8A13994F-D49A-4158-8D3F-F78FA83D3B97}">
-      <dsp:nvSpPr>
-        <dsp:cNvPr id="0" name=""/>
-        <dsp:cNvSpPr/>
-      </dsp:nvSpPr>
-      <dsp:spPr>
-        <a:xfrm>
-          <a:off x="5437901" y="401821"/>
-          <a:ext cx="2241629" cy="1205177"/>
-        </a:xfrm>
-        <a:prstGeom prst="rect">
-          <a:avLst/>
-        </a:prstGeom>
-        <a:noFill/>
-        <a:ln>
-          <a:noFill/>
-        </a:ln>
-        <a:effectLst/>
-      </dsp:spPr>
-      <dsp:style>
-        <a:lnRef idx="0">
-          <a:scrgbClr r="0" g="0" b="0"/>
-        </a:lnRef>
-        <a:fillRef idx="0">
-          <a:scrgbClr r="0" g="0" b="0"/>
-        </a:fillRef>
-        <a:effectRef idx="0">
-          <a:scrgbClr r="0" g="0" b="0"/>
-        </a:effectRef>
-        <a:fontRef idx="minor"/>
-      </dsp:style>
-      <dsp:txBody>
-        <a:bodyPr spcFirstLastPara="0" vert="horz" wrap="square" lIns="57150" tIns="57150" rIns="57150" bIns="57150" numCol="1" spcCol="1270" anchor="ctr" anchorCtr="0">
-          <a:noAutofit/>
-        </a:bodyPr>
-        <a:lstStyle/>
-        <a:p>
-          <a:pPr marL="0" lvl="0" indent="0" algn="l" defTabSz="666750">
-            <a:lnSpc>
-              <a:spcPct val="90000"/>
-            </a:lnSpc>
-            <a:spcBef>
-              <a:spcPct val="0"/>
-            </a:spcBef>
-            <a:spcAft>
-              <a:spcPct val="35000"/>
-            </a:spcAft>
-            <a:buNone/>
-          </a:pPr>
-          <a:r>
-            <a:rPr lang="en-US" sz="1500" kern="1200" dirty="0"/>
-            <a:t>Support</a:t>
-          </a:r>
-        </a:p>
-      </dsp:txBody>
-      <dsp:txXfrm>
-        <a:off x="5437901" y="401821"/>
-        <a:ext cx="2241629" cy="1205177"/>
-      </dsp:txXfrm>
-    </dsp:sp>
-    <dsp:sp modelId="{A3A45FDC-0BA9-48D0-87E7-D12AAD33ADE6}">
-      <dsp:nvSpPr>
-        <dsp:cNvPr id="0" name=""/>
-        <dsp:cNvSpPr/>
-      </dsp:nvSpPr>
-      <dsp:spPr>
-        <a:xfrm rot="5400000">
-          <a:off x="1619499" y="130656"/>
-          <a:ext cx="2008628" cy="1747506"/>
-        </a:xfrm>
-        <a:prstGeom prst="hexagon">
-          <a:avLst>
-            <a:gd name="adj" fmla="val 25000"/>
-            <a:gd name="vf" fmla="val 115470"/>
-          </a:avLst>
-        </a:prstGeom>
-        <a:solidFill>
-          <a:schemeClr val="accent1">
-            <a:hueOff val="0"/>
-            <a:satOff val="0"/>
-            <a:lumOff val="0"/>
-            <a:alphaOff val="0"/>
-          </a:schemeClr>
-        </a:solidFill>
-        <a:ln w="12700" cap="flat" cmpd="sng" algn="ctr">
-          <a:solidFill>
-            <a:schemeClr val="lt1">
-              <a:hueOff val="0"/>
-              <a:satOff val="0"/>
-              <a:lumOff val="0"/>
-              <a:alphaOff val="0"/>
-            </a:schemeClr>
-          </a:solidFill>
-          <a:prstDash val="solid"/>
-          <a:miter lim="800000"/>
-        </a:ln>
-        <a:effectLst/>
-      </dsp:spPr>
-      <dsp:style>
-        <a:lnRef idx="2">
-          <a:scrgbClr r="0" g="0" b="0"/>
-        </a:lnRef>
-        <a:fillRef idx="1">
-          <a:scrgbClr r="0" g="0" b="0"/>
-        </a:fillRef>
-        <a:effectRef idx="0">
-          <a:scrgbClr r="0" g="0" b="0"/>
-        </a:effectRef>
-        <a:fontRef idx="minor">
-          <a:schemeClr val="lt1"/>
-        </a:fontRef>
-      </dsp:style>
-      <dsp:txBody>
-        <a:bodyPr spcFirstLastPara="0" vert="horz" wrap="square" lIns="0" tIns="0" rIns="0" bIns="0" numCol="1" spcCol="1270" anchor="ctr" anchorCtr="0">
-          <a:noAutofit/>
-        </a:bodyPr>
-        <a:lstStyle/>
-        <a:p>
-          <a:pPr marL="0" lvl="0" indent="0" algn="ctr" defTabSz="1600200">
-            <a:lnSpc>
-              <a:spcPct val="90000"/>
-            </a:lnSpc>
-            <a:spcBef>
-              <a:spcPct val="0"/>
-            </a:spcBef>
-            <a:spcAft>
-              <a:spcPct val="35000"/>
-            </a:spcAft>
-            <a:buNone/>
-          </a:pPr>
-          <a:endParaRPr lang="en-US" sz="3600" kern="1200"/>
-        </a:p>
-      </dsp:txBody>
-      <dsp:txXfrm rot="-5400000">
-        <a:off x="2022380" y="313106"/>
-        <a:ext cx="1202866" cy="1382606"/>
-      </dsp:txXfrm>
-    </dsp:sp>
-    <dsp:sp modelId="{60D81187-E020-487E-AAB7-B5729DF5DAED}">
-      <dsp:nvSpPr>
-        <dsp:cNvPr id="0" name=""/>
-        <dsp:cNvSpPr/>
-      </dsp:nvSpPr>
-      <dsp:spPr>
-        <a:xfrm rot="5400000">
-          <a:off x="2559537" y="1835580"/>
-          <a:ext cx="2008628" cy="1747506"/>
-        </a:xfrm>
-        <a:prstGeom prst="hexagon">
-          <a:avLst>
-            <a:gd name="adj" fmla="val 25000"/>
-            <a:gd name="vf" fmla="val 115470"/>
-          </a:avLst>
-        </a:prstGeom>
-        <a:solidFill>
-          <a:schemeClr val="accent1">
-            <a:hueOff val="0"/>
-            <a:satOff val="0"/>
-            <a:lumOff val="0"/>
-            <a:alphaOff val="0"/>
-          </a:schemeClr>
-        </a:solidFill>
-        <a:ln w="12700" cap="flat" cmpd="sng" algn="ctr">
-          <a:solidFill>
-            <a:schemeClr val="lt1">
-              <a:hueOff val="0"/>
-              <a:satOff val="0"/>
-              <a:lumOff val="0"/>
-              <a:alphaOff val="0"/>
-            </a:schemeClr>
-          </a:solidFill>
-          <a:prstDash val="solid"/>
-          <a:miter lim="800000"/>
-        </a:ln>
-        <a:effectLst/>
-      </dsp:spPr>
-      <dsp:style>
-        <a:lnRef idx="2">
-          <a:scrgbClr r="0" g="0" b="0"/>
-        </a:lnRef>
-        <a:fillRef idx="1">
-          <a:scrgbClr r="0" g="0" b="0"/>
-        </a:fillRef>
-        <a:effectRef idx="0">
-          <a:scrgbClr r="0" g="0" b="0"/>
-        </a:effectRef>
-        <a:fontRef idx="minor">
-          <a:schemeClr val="lt1"/>
-        </a:fontRef>
-      </dsp:style>
-      <dsp:txBody>
-        <a:bodyPr spcFirstLastPara="0" vert="horz" wrap="square" lIns="57150" tIns="57150" rIns="57150" bIns="57150" numCol="1" spcCol="1270" anchor="ctr" anchorCtr="0">
-          <a:noAutofit/>
-        </a:bodyPr>
-        <a:lstStyle/>
-        <a:p>
-          <a:pPr marL="0" lvl="0" indent="0" algn="ctr" defTabSz="666750">
-            <a:lnSpc>
-              <a:spcPct val="90000"/>
-            </a:lnSpc>
-            <a:spcBef>
-              <a:spcPct val="0"/>
-            </a:spcBef>
-            <a:spcAft>
-              <a:spcPct val="35000"/>
-            </a:spcAft>
-            <a:buNone/>
-          </a:pPr>
-          <a:r>
-            <a:rPr lang="en-US" sz="1500" kern="1200" dirty="0"/>
-            <a:t>Development</a:t>
-          </a:r>
-        </a:p>
-      </dsp:txBody>
-      <dsp:txXfrm rot="-5400000">
-        <a:off x="2962418" y="2018030"/>
-        <a:ext cx="1202866" cy="1382606"/>
-      </dsp:txXfrm>
-    </dsp:sp>
-    <dsp:sp modelId="{8F15F0E2-A739-4E0F-9728-ADA4AA103421}">
-      <dsp:nvSpPr>
-        <dsp:cNvPr id="0" name=""/>
-        <dsp:cNvSpPr/>
-      </dsp:nvSpPr>
-      <dsp:spPr>
-        <a:xfrm>
-          <a:off x="448468" y="2106744"/>
-          <a:ext cx="2169318" cy="1205177"/>
-        </a:xfrm>
-        <a:prstGeom prst="rect">
-          <a:avLst/>
-        </a:prstGeom>
-        <a:noFill/>
-        <a:ln>
-          <a:noFill/>
-        </a:ln>
-        <a:effectLst/>
-      </dsp:spPr>
-      <dsp:style>
-        <a:lnRef idx="0">
-          <a:scrgbClr r="0" g="0" b="0"/>
-        </a:lnRef>
-        <a:fillRef idx="0">
-          <a:scrgbClr r="0" g="0" b="0"/>
-        </a:fillRef>
-        <a:effectRef idx="0">
-          <a:scrgbClr r="0" g="0" b="0"/>
-        </a:effectRef>
-        <a:fontRef idx="minor"/>
-      </dsp:style>
-      <dsp:txBody>
-        <a:bodyPr spcFirstLastPara="0" vert="horz" wrap="square" lIns="57150" tIns="57150" rIns="57150" bIns="57150" numCol="1" spcCol="1270" anchor="ctr" anchorCtr="0">
-          <a:noAutofit/>
-        </a:bodyPr>
-        <a:lstStyle/>
-        <a:p>
-          <a:pPr marL="0" lvl="0" indent="0" algn="r" defTabSz="666750">
-            <a:lnSpc>
-              <a:spcPct val="90000"/>
-            </a:lnSpc>
-            <a:spcBef>
-              <a:spcPct val="0"/>
-            </a:spcBef>
-            <a:spcAft>
-              <a:spcPct val="35000"/>
-            </a:spcAft>
-            <a:buNone/>
-          </a:pPr>
-          <a:r>
-            <a:rPr lang="en-US" sz="1500" kern="1200" dirty="0"/>
-            <a:t>Tool</a:t>
-          </a:r>
-        </a:p>
-      </dsp:txBody>
-      <dsp:txXfrm>
-        <a:off x="448468" y="2106744"/>
-        <a:ext cx="2169318" cy="1205177"/>
-      </dsp:txXfrm>
-    </dsp:sp>
-    <dsp:sp modelId="{3CB1DD77-A7DA-4C8B-8801-2BF5D7AF0DEB}">
-      <dsp:nvSpPr>
-        <dsp:cNvPr id="0" name=""/>
-        <dsp:cNvSpPr/>
-      </dsp:nvSpPr>
-      <dsp:spPr>
-        <a:xfrm rot="5400000">
-          <a:off x="4446844" y="1835580"/>
-          <a:ext cx="2008628" cy="1747506"/>
-        </a:xfrm>
-        <a:prstGeom prst="hexagon">
-          <a:avLst>
-            <a:gd name="adj" fmla="val 25000"/>
-            <a:gd name="vf" fmla="val 115470"/>
-          </a:avLst>
-        </a:prstGeom>
-        <a:solidFill>
-          <a:schemeClr val="accent1">
-            <a:hueOff val="0"/>
-            <a:satOff val="0"/>
-            <a:lumOff val="0"/>
-            <a:alphaOff val="0"/>
-          </a:schemeClr>
-        </a:solidFill>
-        <a:ln w="12700" cap="flat" cmpd="sng" algn="ctr">
-          <a:solidFill>
-            <a:schemeClr val="lt1">
-              <a:hueOff val="0"/>
-              <a:satOff val="0"/>
-              <a:lumOff val="0"/>
-              <a:alphaOff val="0"/>
-            </a:schemeClr>
-          </a:solidFill>
-          <a:prstDash val="solid"/>
-          <a:miter lim="800000"/>
-        </a:ln>
-        <a:effectLst/>
-      </dsp:spPr>
-      <dsp:style>
-        <a:lnRef idx="2">
-          <a:scrgbClr r="0" g="0" b="0"/>
-        </a:lnRef>
-        <a:fillRef idx="1">
-          <a:scrgbClr r="0" g="0" b="0"/>
-        </a:fillRef>
-        <a:effectRef idx="0">
-          <a:scrgbClr r="0" g="0" b="0"/>
-        </a:effectRef>
-        <a:fontRef idx="minor">
-          <a:schemeClr val="lt1"/>
-        </a:fontRef>
-      </dsp:style>
-      <dsp:txBody>
-        <a:bodyPr spcFirstLastPara="0" vert="horz" wrap="square" lIns="0" tIns="0" rIns="0" bIns="0" numCol="1" spcCol="1270" anchor="ctr" anchorCtr="0">
-          <a:noAutofit/>
-        </a:bodyPr>
-        <a:lstStyle/>
-        <a:p>
-          <a:pPr marL="0" lvl="0" indent="0" algn="ctr" defTabSz="1600200">
-            <a:lnSpc>
-              <a:spcPct val="90000"/>
-            </a:lnSpc>
-            <a:spcBef>
-              <a:spcPct val="0"/>
-            </a:spcBef>
-            <a:spcAft>
-              <a:spcPct val="35000"/>
-            </a:spcAft>
-            <a:buNone/>
-          </a:pPr>
-          <a:endParaRPr lang="en-US" sz="3600" kern="1200"/>
-        </a:p>
-      </dsp:txBody>
-      <dsp:txXfrm rot="-5400000">
-        <a:off x="4849725" y="2018030"/>
-        <a:ext cx="1202866" cy="1382606"/>
-      </dsp:txXfrm>
-    </dsp:sp>
-    <dsp:sp modelId="{E15322BA-E40D-4BA8-A1EB-CAC67AC64C03}">
-      <dsp:nvSpPr>
-        <dsp:cNvPr id="0" name=""/>
-        <dsp:cNvSpPr/>
-      </dsp:nvSpPr>
-      <dsp:spPr>
-        <a:xfrm rot="5400000">
-          <a:off x="3506806" y="3540503"/>
-          <a:ext cx="2008628" cy="1747506"/>
-        </a:xfrm>
-        <a:prstGeom prst="hexagon">
-          <a:avLst>
-            <a:gd name="adj" fmla="val 25000"/>
-            <a:gd name="vf" fmla="val 115470"/>
-          </a:avLst>
-        </a:prstGeom>
-        <a:solidFill>
-          <a:schemeClr val="accent1">
-            <a:hueOff val="0"/>
-            <a:satOff val="0"/>
-            <a:lumOff val="0"/>
-            <a:alphaOff val="0"/>
-          </a:schemeClr>
-        </a:solidFill>
-        <a:ln w="12700" cap="flat" cmpd="sng" algn="ctr">
-          <a:solidFill>
-            <a:schemeClr val="lt1">
-              <a:hueOff val="0"/>
-              <a:satOff val="0"/>
-              <a:lumOff val="0"/>
-              <a:alphaOff val="0"/>
-            </a:schemeClr>
-          </a:solidFill>
-          <a:prstDash val="solid"/>
-          <a:miter lim="800000"/>
-        </a:ln>
-        <a:effectLst/>
-      </dsp:spPr>
-      <dsp:style>
-        <a:lnRef idx="2">
-          <a:scrgbClr r="0" g="0" b="0"/>
-        </a:lnRef>
-        <a:fillRef idx="1">
-          <a:scrgbClr r="0" g="0" b="0"/>
-        </a:fillRef>
-        <a:effectRef idx="0">
-          <a:scrgbClr r="0" g="0" b="0"/>
-        </a:effectRef>
-        <a:fontRef idx="minor">
-          <a:schemeClr val="lt1"/>
-        </a:fontRef>
-      </dsp:style>
-      <dsp:txBody>
-        <a:bodyPr spcFirstLastPara="0" vert="horz" wrap="square" lIns="57150" tIns="57150" rIns="57150" bIns="57150" numCol="1" spcCol="1270" anchor="ctr" anchorCtr="0">
-          <a:noAutofit/>
-        </a:bodyPr>
-        <a:lstStyle/>
-        <a:p>
-          <a:pPr marL="0" lvl="0" indent="0" algn="ctr" defTabSz="666750">
-            <a:lnSpc>
-              <a:spcPct val="90000"/>
-            </a:lnSpc>
-            <a:spcBef>
-              <a:spcPct val="0"/>
-            </a:spcBef>
-            <a:spcAft>
-              <a:spcPct val="35000"/>
-            </a:spcAft>
-            <a:buNone/>
-          </a:pPr>
-          <a:r>
-            <a:rPr lang="en-US" sz="1500" kern="1200" dirty="0"/>
-            <a:t>Personal</a:t>
-          </a:r>
-        </a:p>
-      </dsp:txBody>
-      <dsp:txXfrm rot="-5400000">
-        <a:off x="3909687" y="3722953"/>
-        <a:ext cx="1202866" cy="1382606"/>
-      </dsp:txXfrm>
-    </dsp:sp>
-    <dsp:sp modelId="{1C776C71-E52D-4672-A82E-2D1E4CB80C50}">
-      <dsp:nvSpPr>
-        <dsp:cNvPr id="0" name=""/>
-        <dsp:cNvSpPr/>
-      </dsp:nvSpPr>
-      <dsp:spPr>
-        <a:xfrm>
-          <a:off x="5437901" y="3811668"/>
-          <a:ext cx="2241629" cy="1205177"/>
-        </a:xfrm>
-        <a:prstGeom prst="rect">
-          <a:avLst/>
-        </a:prstGeom>
-        <a:noFill/>
-        <a:ln>
-          <a:noFill/>
-        </a:ln>
-        <a:effectLst/>
-      </dsp:spPr>
-      <dsp:style>
-        <a:lnRef idx="0">
-          <a:scrgbClr r="0" g="0" b="0"/>
-        </a:lnRef>
-        <a:fillRef idx="0">
-          <a:scrgbClr r="0" g="0" b="0"/>
-        </a:fillRef>
-        <a:effectRef idx="0">
-          <a:scrgbClr r="0" g="0" b="0"/>
-        </a:effectRef>
-        <a:fontRef idx="minor"/>
-      </dsp:style>
-      <dsp:txBody>
-        <a:bodyPr spcFirstLastPara="0" vert="horz" wrap="square" lIns="57150" tIns="57150" rIns="57150" bIns="57150" numCol="1" spcCol="1270" anchor="ctr" anchorCtr="0">
-          <a:noAutofit/>
-        </a:bodyPr>
-        <a:lstStyle/>
-        <a:p>
-          <a:pPr marL="0" lvl="0" indent="0" algn="l" defTabSz="666750">
-            <a:lnSpc>
-              <a:spcPct val="90000"/>
-            </a:lnSpc>
-            <a:spcBef>
-              <a:spcPct val="0"/>
-            </a:spcBef>
-            <a:spcAft>
-              <a:spcPct val="35000"/>
-            </a:spcAft>
-            <a:buNone/>
-          </a:pPr>
-          <a:r>
-            <a:rPr lang="en-US" sz="1500" kern="1200" dirty="0"/>
-            <a:t>Details</a:t>
-          </a:r>
-        </a:p>
-      </dsp:txBody>
-      <dsp:txXfrm>
-        <a:off x="5437901" y="3811668"/>
-        <a:ext cx="2241629" cy="1205177"/>
-      </dsp:txXfrm>
-    </dsp:sp>
-    <dsp:sp modelId="{6283C350-90C8-4407-8F54-02837F9F89ED}">
-      <dsp:nvSpPr>
-        <dsp:cNvPr id="0" name=""/>
-        <dsp:cNvSpPr/>
-      </dsp:nvSpPr>
-      <dsp:spPr>
-        <a:xfrm rot="5400000">
-          <a:off x="1619499" y="3540503"/>
-          <a:ext cx="2008628" cy="1747506"/>
-        </a:xfrm>
-        <a:prstGeom prst="hexagon">
-          <a:avLst>
-            <a:gd name="adj" fmla="val 25000"/>
-            <a:gd name="vf" fmla="val 115470"/>
-          </a:avLst>
-        </a:prstGeom>
-        <a:solidFill>
-          <a:schemeClr val="accent1">
-            <a:hueOff val="0"/>
-            <a:satOff val="0"/>
-            <a:lumOff val="0"/>
-            <a:alphaOff val="0"/>
-          </a:schemeClr>
-        </a:solidFill>
-        <a:ln w="12700" cap="flat" cmpd="sng" algn="ctr">
-          <a:solidFill>
-            <a:schemeClr val="lt1">
-              <a:hueOff val="0"/>
-              <a:satOff val="0"/>
-              <a:lumOff val="0"/>
-              <a:alphaOff val="0"/>
-            </a:schemeClr>
-          </a:solidFill>
-          <a:prstDash val="solid"/>
-          <a:miter lim="800000"/>
-        </a:ln>
-        <a:effectLst/>
-      </dsp:spPr>
-      <dsp:style>
-        <a:lnRef idx="2">
-          <a:scrgbClr r="0" g="0" b="0"/>
-        </a:lnRef>
-        <a:fillRef idx="1">
-          <a:scrgbClr r="0" g="0" b="0"/>
-        </a:fillRef>
-        <a:effectRef idx="0">
-          <a:scrgbClr r="0" g="0" b="0"/>
-        </a:effectRef>
-        <a:fontRef idx="minor">
-          <a:schemeClr val="lt1"/>
-        </a:fontRef>
-      </dsp:style>
-      <dsp:txBody>
-        <a:bodyPr spcFirstLastPara="0" vert="horz" wrap="square" lIns="0" tIns="0" rIns="0" bIns="0" numCol="1" spcCol="1270" anchor="ctr" anchorCtr="0">
-          <a:noAutofit/>
-        </a:bodyPr>
-        <a:lstStyle/>
-        <a:p>
-          <a:pPr marL="0" lvl="0" indent="0" algn="ctr" defTabSz="1600200">
-            <a:lnSpc>
-              <a:spcPct val="90000"/>
-            </a:lnSpc>
-            <a:spcBef>
-              <a:spcPct val="0"/>
-            </a:spcBef>
-            <a:spcAft>
-              <a:spcPct val="35000"/>
-            </a:spcAft>
-            <a:buNone/>
-          </a:pPr>
-          <a:endParaRPr lang="en-US" sz="3600" kern="1200"/>
-        </a:p>
-      </dsp:txBody>
-      <dsp:txXfrm rot="-5400000">
-        <a:off x="2022380" y="3722953"/>
-        <a:ext cx="1202866" cy="1382606"/>
-      </dsp:txXfrm>
-    </dsp:sp>
-  </dsp:spTree>
-</dsp:drawing>
-</file>
-
-<file path=ppt/diagrams/layout1.xml><?xml version="1.0" encoding="utf-8"?>
-<dgm:layoutDef xmlns:dgm="http://schemas.openxmlformats.org/drawingml/2006/diagram" xmlns:a="http://schemas.openxmlformats.org/drawingml/2006/main" uniqueId="urn:microsoft.com/office/officeart/2008/layout/AlternatingHexagons">
-  <dgm:title val=""/>
-  <dgm:desc val=""/>
-  <dgm:catLst>
-    <dgm:cat type="list" pri="1500"/>
-  </dgm:catLst>
-  <dgm:sampData>
-    <dgm:dataModel>
-      <dgm:ptLst>
-        <dgm:pt modelId="0" type="doc"/>
-        <dgm:pt modelId="10">
-          <dgm:prSet phldr="1"/>
-        </dgm:pt>
-        <dgm:pt modelId="11">
-          <dgm:prSet phldr="1"/>
-        </dgm:pt>
-        <dgm:pt modelId="20">
-          <dgm:prSet phldr="1"/>
-        </dgm:pt>
-        <dgm:pt modelId="21">
-          <dgm:prSet phldr="1"/>
-        </dgm:pt>
-        <dgm:pt modelId="30">
-          <dgm:prSet phldr="1"/>
-        </dgm:pt>
-        <dgm:pt modelId="31">
-          <dgm:prSet phldr="1"/>
-        </dgm:pt>
-      </dgm:ptLst>
-      <dgm:cxnLst>
-        <dgm:cxn modelId="40" srcId="0" destId="10" srcOrd="0" destOrd="0"/>
-        <dgm:cxn modelId="12" srcId="10" destId="11" srcOrd="0" destOrd="0"/>
-        <dgm:cxn modelId="50" srcId="0" destId="20" srcOrd="1" destOrd="0"/>
-        <dgm:cxn modelId="22" srcId="20" destId="21" srcOrd="0" destOrd="0"/>
-        <dgm:cxn modelId="60" srcId="0" destId="30" srcOrd="1" destOrd="0"/>
-        <dgm:cxn modelId="32" srcId="30" destId="31" srcOrd="0" destOrd="0"/>
-      </dgm:cxnLst>
-      <dgm:bg/>
-      <dgm:whole/>
-    </dgm:dataModel>
-  </dgm:sampData>
-  <dgm:styleData>
-    <dgm:dataModel>
-      <dgm:ptLst>
-        <dgm:pt modelId="0" type="doc"/>
-        <dgm:pt modelId="10">
-          <dgm:prSet phldr="1"/>
-        </dgm:pt>
-        <dgm:pt modelId="20">
-          <dgm:prSet phldr="1"/>
-        </dgm:pt>
-      </dgm:ptLst>
-      <dgm:cxnLst>
-        <dgm:cxn modelId="60" srcId="0" destId="10" srcOrd="0" destOrd="0"/>
-        <dgm:cxn modelId="70" srcId="0" destId="20" srcOrd="1" destOrd="0"/>
-      </dgm:cxnLst>
-      <dgm:bg/>
-      <dgm:whole/>
-    </dgm:dataModel>
-  </dgm:styleData>
-  <dgm:clrData>
-    <dgm:dataModel>
-      <dgm:ptLst>
-        <dgm:pt modelId="0" type="doc"/>
-        <dgm:pt modelId="10">
-          <dgm:prSet phldr="1"/>
-        </dgm:pt>
-        <dgm:pt modelId="20">
-          <dgm:prSet phldr="1"/>
-        </dgm:pt>
-        <dgm:pt modelId="30">
-          <dgm:prSet phldr="1"/>
-        </dgm:pt>
-        <dgm:pt modelId="40">
-          <dgm:prSet phldr="1"/>
-        </dgm:pt>
-      </dgm:ptLst>
-      <dgm:cxnLst>
-        <dgm:cxn modelId="60" srcId="0" destId="10" srcOrd="0" destOrd="0"/>
-        <dgm:cxn modelId="70" srcId="0" destId="20" srcOrd="1" destOrd="0"/>
-        <dgm:cxn modelId="80" srcId="0" destId="30" srcOrd="2" destOrd="0"/>
-        <dgm:cxn modelId="90" srcId="0" destId="40" srcOrd="3" destOrd="0"/>
-      </dgm:cxnLst>
-      <dgm:bg/>
-      <dgm:whole/>
-    </dgm:dataModel>
-  </dgm:clrData>
-  <dgm:layoutNode name="Name0">
-    <dgm:varLst>
-      <dgm:chMax/>
-      <dgm:chPref/>
-      <dgm:dir/>
-      <dgm:animLvl val="lvl"/>
-    </dgm:varLst>
-    <dgm:alg type="lin">
-      <dgm:param type="linDir" val="fromT"/>
-    </dgm:alg>
-    <dgm:shape xmlns:r="http://schemas.openxmlformats.org/officeDocument/2006/relationships" r:blip="">
-      <dgm:adjLst/>
-    </dgm:shape>
-    <dgm:constrLst>
-      <dgm:constr type="primFontSz" for="des" forName="Parent1" val="65"/>
-      <dgm:constr type="primFontSz" for="des" forName="Childtext1" refType="primFontSz" refFor="des" refForName="Parent1" op="lte"/>
-      <dgm:constr type="w" for="ch" forName="composite" refType="w"/>
-      <dgm:constr type="h" for="ch" forName="composite" refType="h"/>
-      <dgm:constr type="h" for="ch" forName="spaceBetweenRectangles" refType="w" refFor="ch" refForName="composite" fact="-0.042"/>
-      <dgm:constr type="sp" refType="h" refFor="ch" refForName="composite" op="equ" fact="0.1"/>
-    </dgm:constrLst>
-    <dgm:forEach name="nodesForEach" axis="ch" ptType="node">
-      <dgm:layoutNode name="composite">
-        <dgm:alg type="composite">
-          <dgm:param type="ar" val="3.6"/>
-        </dgm:alg>
-        <dgm:shape xmlns:r="http://schemas.openxmlformats.org/officeDocument/2006/relationships" r:blip="">
-          <dgm:adjLst/>
-        </dgm:shape>
-        <dgm:choose name="Name1">
-          <dgm:if name="Name2" func="var" arg="dir" op="equ" val="norm">
-            <dgm:choose name="Name3">
-              <dgm:if name="Name4" axis="self" ptType="node" func="posOdd" op="equ" val="1">
-                <dgm:constrLst>
-                  <dgm:constr type="l" for="ch" forName="Accent1" refType="w" fact="0.18"/>
-                  <dgm:constr type="t" for="ch" forName="Accent1" refType="h" fact="0"/>
-                  <dgm:constr type="h" for="ch" forName="Accent1" refType="h"/>
-                  <dgm:constr type="w" for="ch" forName="Accent1" refType="h" fact="0.87"/>
-                  <dgm:constr type="l" for="ch" forName="Accent1Text" refType="w" fact="0.18"/>
-                  <dgm:constr type="t" for="ch" forName="Accent1Text" refType="h" fact="0"/>
-                  <dgm:constr type="h" for="ch" forName="Accent1Text" refType="h"/>
-                  <dgm:constr type="w" for="ch" forName="Accent1Text" refType="h" fact="0.87"/>
-                  <dgm:constr type="l" for="ch" forName="Parent1" refType="w" fact="0.441"/>
-                  <dgm:constr type="t" for="ch" forName="Parent1" refType="h" fact="0"/>
-                  <dgm:constr type="h" for="ch" forName="Parent1" refType="h"/>
-                  <dgm:constr type="w" for="ch" forName="Parent1" refType="h" fact="0.87"/>
-                  <dgm:constr type="l" for="ch" forName="Childtext1" refType="w" fact="0.69"/>
-                  <dgm:constr type="t" for="ch" forName="Childtext1" refType="h" fact="0.2"/>
-                  <dgm:constr type="w" for="ch" forName="Childtext1" refType="w" fact="0.31"/>
-                  <dgm:constr type="h" for="ch" forName="Childtext1" refType="h" fact="0.6"/>
-                  <dgm:constr type="l" for="ch" forName="BalanceSpacing" refType="w" fact="0"/>
-                  <dgm:constr type="t" for="ch" forName="BalanceSpacing" refType="h" fact="0"/>
-                  <dgm:constr type="w" for="ch" forName="BalanceSpacing" refType="w"/>
-                  <dgm:constr type="h" for="ch" forName="BalanceSpacing" refType="h" fact="0.1"/>
-                  <dgm:constr type="l" for="ch" forName="BalanceSpacing1" refType="w" fact="0.69"/>
-                  <dgm:constr type="t" for="ch" forName="BalanceSpacing1" refType="h" fact="0.2"/>
-                  <dgm:constr type="w" for="ch" forName="BalanceSpacing1" refType="w" fact="0.31"/>
-                  <dgm:constr type="h" for="ch" forName="BalanceSpacing1" refType="h" fact="0.6"/>
-                </dgm:constrLst>
-              </dgm:if>
-              <dgm:else name="Name5">
-                <dgm:constrLst>
-                  <dgm:constr type="l" for="ch" forName="Accent1" refType="w" fact="0.571"/>
-                  <dgm:constr type="t" for="ch" forName="Accent1" refType="h" fact="0"/>
-                  <dgm:constr type="h" for="ch" forName="Accent1" refType="h"/>
-                  <dgm:constr type="w" for="ch" forName="Accent1" refType="h" fact="0.87"/>
-                  <dgm:constr type="l" for="ch" forName="Accent1Text" refType="w" fact="0.571"/>
-                  <dgm:constr type="t" for="ch" forName="Accent1Text" refType="h" fact="0"/>
-                  <dgm:constr type="h" for="ch" forName="Accent1Text" refType="h"/>
-                  <dgm:constr type="w" for="ch" forName="Accent1Text" refType="h" fact="0.87"/>
-                  <dgm:constr type="l" for="ch" forName="Parent1" refType="w" fact="0.31"/>
-                  <dgm:constr type="t" for="ch" forName="Parent1" refType="h" fact="0"/>
-                  <dgm:constr type="h" for="ch" forName="Parent1" refType="h"/>
-                  <dgm:constr type="w" for="ch" forName="Parent1" refType="h" fact="0.87"/>
-                  <dgm:constr type="l" for="ch" forName="Childtext1" refType="w" fact="0"/>
-                  <dgm:constr type="t" for="ch" forName="Childtext1" refType="h" fact="0.2"/>
-                  <dgm:constr type="w" for="ch" forName="Childtext1" refType="w" fact="0.3"/>
-                  <dgm:constr type="h" for="ch" forName="Childtext1" refType="h" fact="0.6"/>
-                  <dgm:constr type="l" for="ch" forName="BalanceSpacing" refType="w" fact="0.82"/>
-                  <dgm:constr type="t" for="ch" forName="BalanceSpacing" refType="h" fact="0"/>
-                  <dgm:constr type="w" for="ch" forName="BalanceSpacing" refType="w" fact="0.18"/>
-                  <dgm:constr type="h" for="ch" forName="BalanceSpacing" refType="h"/>
-                  <dgm:constr type="l" for="ch" forName="BalanceSpacing1" refType="w" fact="0"/>
-                  <dgm:constr type="t" for="ch" forName="BalanceSpacing1" refType="h" fact="0.2"/>
-                  <dgm:constr type="w" for="ch" forName="BalanceSpacing1" refType="w" fact="0.3"/>
-                  <dgm:constr type="h" for="ch" forName="BalanceSpacing1" refType="h" fact="0.6"/>
-                </dgm:constrLst>
-              </dgm:else>
-            </dgm:choose>
-          </dgm:if>
-          <dgm:else name="Name6">
-            <dgm:choose name="Name7">
-              <dgm:if name="Name8" axis="self" ptType="node" func="posOdd" op="equ" val="1">
-                <dgm:constrLst>
-                  <dgm:constr type="l" for="ch" forName="Accent1" refType="w" fact="0.571"/>
-                  <dgm:constr type="t" for="ch" forName="Accent1" refType="h" fact="0"/>
-                  <dgm:constr type="h" for="ch" forName="Accent1" refType="h"/>
-                  <dgm:constr type="w" for="ch" forName="Accent1" refType="h" fact="0.87"/>
-                  <dgm:constr type="l" for="ch" forName="Accent1Text" refType="w" fact="0.571"/>
-                  <dgm:constr type="t" for="ch" forName="Accent1Text" refType="h" fact="0"/>
-                  <dgm:constr type="h" for="ch" forName="Accent1Text" refType="h"/>
-                  <dgm:constr type="w" for="ch" forName="Accent1Text" refType="h" fact="0.87"/>
-                  <dgm:constr type="l" for="ch" forName="Parent1" refType="w" fact="0.31"/>
-                  <dgm:constr type="t" for="ch" forName="Parent1" refType="h" fact="0"/>
-                  <dgm:constr type="h" for="ch" forName="Parent1" refType="h"/>
-                  <dgm:constr type="w" for="ch" forName="Parent1" refType="h" fact="0.87"/>
-                  <dgm:constr type="l" for="ch" forName="Childtext1" refType="w" fact="0"/>
-                  <dgm:constr type="t" for="ch" forName="Childtext1" refType="h" fact="0.2"/>
-                  <dgm:constr type="w" for="ch" forName="Childtext1" refType="w" fact="0.3"/>
-                  <dgm:constr type="h" for="ch" forName="Childtext1" refType="h" fact="0.6"/>
-                  <dgm:constr type="l" for="ch" forName="BalanceSpacing" refType="w" fact="0.82"/>
-                  <dgm:constr type="t" for="ch" forName="BalanceSpacing" refType="h" fact="0"/>
-                  <dgm:constr type="w" for="ch" forName="BalanceSpacing" refType="w" fact="0.18"/>
-                  <dgm:constr type="h" for="ch" forName="BalanceSpacing" refType="h"/>
-                </dgm:constrLst>
-              </dgm:if>
-              <dgm:else name="Name9">
-                <dgm:constrLst>
-                  <dgm:constr type="l" for="ch" forName="Accent1" refType="w" fact="0.18"/>
-                  <dgm:constr type="t" for="ch" forName="Accent1" refType="h" fact="0"/>
-                  <dgm:constr type="h" for="ch" forName="Accent1" refType="h"/>
-                  <dgm:constr type="w" for="ch" forName="Accent1" refType="h" fact="0.87"/>
-                  <dgm:constr type="l" for="ch" forName="Accent1Text" refType="w" fact="0.18"/>
-                  <dgm:constr type="t" for="ch" forName="Accent1Text" refType="h" fact="0"/>
-                  <dgm:constr type="h" for="ch" forName="Accent1Text" refType="h"/>
-                  <dgm:constr type="w" for="ch" forName="Accent1Text" refType="h" fact="0.87"/>
-                  <dgm:constr type="l" for="ch" forName="Parent1" refType="w" fact="0.441"/>
-                  <dgm:constr type="t" for="ch" forName="Parent1" refType="h" fact="0"/>
-                  <dgm:constr type="h" for="ch" forName="Parent1" refType="h"/>
-                  <dgm:constr type="w" for="ch" forName="Parent1" refType="h" fact="0.87"/>
-                  <dgm:constr type="l" for="ch" forName="Childtext1" refType="w" fact="0.69"/>
-                  <dgm:constr type="t" for="ch" forName="Childtext1" refType="h" fact="0.2"/>
-                  <dgm:constr type="w" for="ch" forName="Childtext1" refType="w" fact="0.31"/>
-                  <dgm:constr type="h" for="ch" forName="Childtext1" refType="h" fact="0.6"/>
-                  <dgm:constr type="l" for="ch" forName="BalanceSpacing" refType="w" fact="0"/>
-                  <dgm:constr type="t" for="ch" forName="BalanceSpacing" refType="h" fact="0"/>
-                  <dgm:constr type="w" for="ch" forName="BalanceSpacing" refType="w" fact="0.18"/>
-                  <dgm:constr type="h" for="ch" forName="BalanceSpacing" refType="h"/>
-                </dgm:constrLst>
-              </dgm:else>
-            </dgm:choose>
-          </dgm:else>
-        </dgm:choose>
-        <dgm:layoutNode name="Parent1" styleLbl="node1">
-          <dgm:varLst>
-            <dgm:chMax val="1"/>
-            <dgm:chPref val="1"/>
-            <dgm:bulletEnabled val="1"/>
-          </dgm:varLst>
-          <dgm:alg type="tx"/>
-          <dgm:shape xmlns:r="http://schemas.openxmlformats.org/officeDocument/2006/relationships" rot="90" type="hexagon" r:blip="">
-            <dgm:adjLst>
-              <dgm:adj idx="1" val="0.25"/>
-              <dgm:adj idx="2" val="1.1547"/>
-            </dgm:adjLst>
-          </dgm:shape>
-          <dgm:presOf axis="self" ptType="node"/>
-          <dgm:constrLst>
-            <dgm:constr type="lMarg" refType="primFontSz" fact="0.3"/>
-            <dgm:constr type="rMarg" refType="primFontSz" fact="0.3"/>
-            <dgm:constr type="tMarg" refType="primFontSz" fact="0.3"/>
-            <dgm:constr type="bMarg" refType="primFontSz" fact="0.3"/>
-          </dgm:constrLst>
-          <dgm:ruleLst>
-            <dgm:rule type="primFontSz" val="5" fact="NaN" max="NaN"/>
-          </dgm:ruleLst>
-        </dgm:layoutNode>
-        <dgm:layoutNode name="Childtext1" styleLbl="revTx">
-          <dgm:varLst>
-            <dgm:chMax val="0"/>
-            <dgm:chPref val="0"/>
-            <dgm:bulletEnabled val="1"/>
-          </dgm:varLst>
-          <dgm:choose name="Name10">
-            <dgm:if name="Name11" func="var" arg="dir" op="equ" val="norm">
-              <dgm:choose name="Name12">
-                <dgm:if name="Name13" axis="self" ptType="node" func="posOdd" op="equ" val="1">
-                  <dgm:alg type="tx">
-                    <dgm:param type="parTxLTRAlign" val="l"/>
-                  </dgm:alg>
-                </dgm:if>
-                <dgm:else name="Name14">
-                  <dgm:alg type="tx">
-                    <dgm:param type="parTxLTRAlign" val="r"/>
-                  </dgm:alg>
-                </dgm:else>
-              </dgm:choose>
-            </dgm:if>
-            <dgm:else name="Name15">
-              <dgm:choose name="Name16">
-                <dgm:if name="Name17" axis="self" ptType="node" func="posOdd" op="equ" val="1">
-                  <dgm:alg type="tx">
-                    <dgm:param type="parTxLTRAlign" val="r"/>
-                  </dgm:alg>
-                </dgm:if>
-                <dgm:else name="Name18">
-                  <dgm:alg type="tx">
-                    <dgm:param type="parTxLTRAlign" val="l"/>
-                  </dgm:alg>
-                </dgm:else>
-              </dgm:choose>
-            </dgm:else>
-          </dgm:choose>
-          <dgm:shape xmlns:r="http://schemas.openxmlformats.org/officeDocument/2006/relationships" type="rect" r:blip="">
-            <dgm:adjLst/>
-          </dgm:shape>
-          <dgm:presOf axis="des" ptType="node"/>
-          <dgm:constrLst>
-            <dgm:constr type="lMarg" refType="primFontSz" fact="0.3"/>
-            <dgm:constr type="rMarg" refType="primFontSz" fact="0.3"/>
-            <dgm:constr type="tMarg" refType="primFontSz" fact="0.3"/>
-            <dgm:constr type="bMarg" refType="primFontSz" fact="0.3"/>
-          </dgm:constrLst>
-          <dgm:ruleLst>
-            <dgm:rule type="primFontSz" val="5" fact="NaN" max="NaN"/>
-          </dgm:ruleLst>
-        </dgm:layoutNode>
-        <dgm:layoutNode name="BalanceSpacing">
-          <dgm:alg type="sp"/>
-          <dgm:shape xmlns:r="http://schemas.openxmlformats.org/officeDocument/2006/relationships" r:blip="">
-            <dgm:adjLst/>
-          </dgm:shape>
-        </dgm:layoutNode>
-        <dgm:layoutNode name="BalanceSpacing1">
-          <dgm:alg type="sp"/>
-          <dgm:shape xmlns:r="http://schemas.openxmlformats.org/officeDocument/2006/relationships" r:blip="">
-            <dgm:adjLst/>
-          </dgm:shape>
-        </dgm:layoutNode>
-        <dgm:forEach name="Name19" axis="followSib" ptType="sibTrans" hideLastTrans="0" cnt="1">
-          <dgm:layoutNode name="Accent1Text" styleLbl="node1">
-            <dgm:alg type="tx"/>
-            <dgm:shape xmlns:r="http://schemas.openxmlformats.org/officeDocument/2006/relationships" rot="90" type="hexagon" r:blip="">
-              <dgm:adjLst>
-                <dgm:adj idx="1" val="0.25"/>
-                <dgm:adj idx="2" val="1.1547"/>
-              </dgm:adjLst>
-            </dgm:shape>
-            <dgm:presOf axis="self" ptType="sibTrans"/>
-            <dgm:constrLst>
-              <dgm:constr type="lMarg"/>
-              <dgm:constr type="rMarg"/>
-              <dgm:constr type="tMarg"/>
-              <dgm:constr type="bMarg"/>
-            </dgm:constrLst>
-            <dgm:ruleLst>
-              <dgm:rule type="primFontSz" val="5" fact="NaN" max="NaN"/>
-            </dgm:ruleLst>
-          </dgm:layoutNode>
-        </dgm:forEach>
-      </dgm:layoutNode>
-      <dgm:forEach name="Name20" axis="followSib" ptType="sibTrans" cnt="1">
-        <dgm:layoutNode name="spaceBetweenRectangles">
-          <dgm:alg type="sp"/>
-          <dgm:shape xmlns:r="http://schemas.openxmlformats.org/officeDocument/2006/relationships" r:blip="">
-            <dgm:adjLst/>
-          </dgm:shape>
-          <dgm:presOf/>
-          <dgm:constrLst/>
-          <dgm:ruleLst/>
-        </dgm:layoutNode>
-      </dgm:forEach>
-    </dgm:forEach>
-  </dgm:layoutNode>
-</dgm:layoutDef>
-</file>
-
-<file path=ppt/diagrams/quickStyle1.xml><?xml version="1.0" encoding="utf-8"?>
-<dgm:styleDef xmlns:dgm="http://schemas.openxmlformats.org/drawingml/2006/diagram" xmlns:a="http://schemas.openxmlformats.org/drawingml/2006/main" uniqueId="urn:microsoft.com/office/officeart/2005/8/quickstyle/simple1">
-  <dgm:title val=""/>
-  <dgm:desc val=""/>
-  <dgm:catLst>
-    <dgm:cat type="simple" pri="10100"/>
-  </dgm:catLst>
-  <dgm:scene3d>
-    <a:camera prst="orthographicFront"/>
-    <a:lightRig rig="threePt" dir="t"/>
-  </dgm:scene3d>
-  <dgm:styleLbl name="node0">
-    <dgm:scene3d>
-      <a:camera prst="orthographicFront"/>
-      <a:lightRig rig="threePt" dir="t"/>
-    </dgm:scene3d>
-    <dgm:sp3d/>
-    <dgm:txPr/>
-    <dgm:style>
-      <a:lnRef idx="2">
-        <a:scrgbClr r="0" g="0" b="0"/>
-      </a:lnRef>
-      <a:fillRef idx="1">
-        <a:scrgbClr r="0" g="0" b="0"/>
-      </a:fillRef>
-      <a:effectRef idx="0">
-        <a:scrgbClr r="0" g="0" b="0"/>
-      </a:effectRef>
-      <a:fontRef idx="minor">
-        <a:schemeClr val="lt1"/>
-      </a:fontRef>
-    </dgm:style>
-  </dgm:styleLbl>
-  <dgm:styleLbl name="lnNode1">
-    <dgm:scene3d>
-      <a:camera prst="orthographicFront"/>
-      <a:lightRig rig="threePt" dir="t"/>
-    </dgm:scene3d>
-    <dgm:sp3d/>
-    <dgm:txPr/>
-    <dgm:style>
-      <a:lnRef idx="2">
-        <a:scrgbClr r="0" g="0" b="0"/>
-      </a:lnRef>
-      <a:fillRef idx="1">
-        <a:scrgbClr r="0" g="0" b="0"/>
-      </a:fillRef>
-      <a:effectRef idx="0">
-        <a:scrgbClr r="0" g="0" b="0"/>
-      </a:effectRef>
-      <a:fontRef idx="minor">
-        <a:schemeClr val="lt1"/>
-      </a:fontRef>
-    </dgm:style>
-  </dgm:styleLbl>
-  <dgm:styleLbl name="vennNode1">
-    <dgm:scene3d>
-      <a:camera prst="orthographicFront"/>
-      <a:lightRig rig="threePt" dir="t"/>
-    </dgm:scene3d>
-    <dgm:sp3d/>
-    <dgm:txPr/>
-    <dgm:style>
-      <a:lnRef idx="2">
-        <a:scrgbClr r="0" g="0" b="0"/>
-      </a:lnRef>
-      <a:fillRef idx="1">
-        <a:scrgbClr r="0" g="0" b="0"/>
-      </a:fillRef>
-      <a:effectRef idx="0">
-        <a:scrgbClr r="0" g="0" b="0"/>
-      </a:effectRef>
-      <a:fontRef idx="minor">
-        <a:schemeClr val="tx1"/>
-      </a:fontRef>
-    </dgm:style>
-  </dgm:styleLbl>
-  <dgm:styleLbl name="alignNode1">
-    <dgm:scene3d>
-      <a:camera prst="orthographicFront"/>
-      <a:lightRig rig="threePt" dir="t"/>
-    </dgm:scene3d>
-    <dgm:sp3d/>
-    <dgm:txPr/>
-    <dgm:style>
-      <a:lnRef idx="2">
-        <a:scrgbClr r="0" g="0" b="0"/>
-      </a:lnRef>
-      <a:fillRef idx="1">
-        <a:scrgbClr r="0" g="0" b="0"/>
-      </a:fillRef>
-      <a:effectRef idx="0">
-        <a:scrgbClr r="0" g="0" b="0"/>
-      </a:effectRef>
-      <a:fontRef idx="minor">
-        <a:schemeClr val="lt1"/>
-      </a:fontRef>
-    </dgm:style>
-  </dgm:styleLbl>
-  <dgm:styleLbl name="node1">
-    <dgm:scene3d>
-      <a:camera prst="orthographicFront"/>
-      <a:lightRig rig="threePt" dir="t"/>
-    </dgm:scene3d>
-    <dgm:sp3d/>
-    <dgm:txPr/>
-    <dgm:style>
-      <a:lnRef idx="2">
-        <a:scrgbClr r="0" g="0" b="0"/>
-      </a:lnRef>
-      <a:fillRef idx="1">
-        <a:scrgbClr r="0" g="0" b="0"/>
-      </a:fillRef>
-      <a:effectRef idx="0">
-        <a:scrgbClr r="0" g="0" b="0"/>
-      </a:effectRef>
-      <a:fontRef idx="minor">
-        <a:schemeClr val="lt1"/>
-      </a:fontRef>
-    </dgm:style>
-  </dgm:styleLbl>
-  <dgm:styleLbl name="node2">
-    <dgm:scene3d>
-      <a:camera prst="orthographicFront"/>
-      <a:lightRig rig="threePt" dir="t"/>
-    </dgm:scene3d>
-    <dgm:sp3d/>
-    <dgm:txPr/>
-    <dgm:style>
-      <a:lnRef idx="2">
-        <a:scrgbClr r="0" g="0" b="0"/>
-      </a:lnRef>
-      <a:fillRef idx="1">
-        <a:scrgbClr r="0" g="0" b="0"/>
-      </a:fillRef>
-      <a:effectRef idx="0">
-        <a:scrgbClr r="0" g="0" b="0"/>
-      </a:effectRef>
-      <a:fontRef idx="minor">
-        <a:schemeClr val="lt1"/>
-      </a:fontRef>
-    </dgm:style>
-  </dgm:styleLbl>
-  <dgm:styleLbl name="node3">
-    <dgm:scene3d>
-      <a:camera prst="orthographicFront"/>
-      <a:lightRig rig="threePt" dir="t"/>
-    </dgm:scene3d>
-    <dgm:sp3d/>
-    <dgm:txPr/>
-    <dgm:style>
-      <a:lnRef idx="2">
-        <a:scrgbClr r="0" g="0" b="0"/>
-      </a:lnRef>
-      <a:fillRef idx="1">
-        <a:scrgbClr r="0" g="0" b="0"/>
-      </a:fillRef>
-      <a:effectRef idx="0">
-        <a:scrgbClr r="0" g="0" b="0"/>
-      </a:effectRef>
-      <a:fontRef idx="minor">
-        <a:schemeClr val="lt1"/>
-      </a:fontRef>
-    </dgm:style>
-  </dgm:styleLbl>
-  <dgm:styleLbl name="node4">
-    <dgm:scene3d>
-      <a:camera prst="orthographicFront"/>
-      <a:lightRig rig="threePt" dir="t"/>
-    </dgm:scene3d>
-    <dgm:sp3d/>
-    <dgm:txPr/>
-    <dgm:style>
-      <a:lnRef idx="2">
-        <a:scrgbClr r="0" g="0" b="0"/>
-      </a:lnRef>
-      <a:fillRef idx="1">
-        <a:scrgbClr r="0" g="0" b="0"/>
-      </a:fillRef>
-      <a:effectRef idx="0">
-        <a:scrgbClr r="0" g="0" b="0"/>
-      </a:effectRef>
-      <a:fontRef idx="minor">
-        <a:schemeClr val="lt1"/>
-      </a:fontRef>
-    </dgm:style>
-  </dgm:styleLbl>
-  <dgm:styleLbl name="fgImgPlace1">
-    <dgm:scene3d>
-      <a:camera prst="orthographicFront"/>
-      <a:lightRig rig="threePt" dir="t"/>
-    </dgm:scene3d>
-    <dgm:sp3d/>
-    <dgm:txPr/>
-    <dgm:style>
-      <a:lnRef idx="2">
-        <a:scrgbClr r="0" g="0" b="0"/>
-      </a:lnRef>
-      <a:fillRef idx="1">
-        <a:scrgbClr r="0" g="0" b="0"/>
-      </a:fillRef>
-      <a:effectRef idx="0">
-        <a:scrgbClr r="0" g="0" b="0"/>
-      </a:effectRef>
-      <a:fontRef idx="minor"/>
-    </dgm:style>
-  </dgm:styleLbl>
-  <dgm:styleLbl name="alignImgPlace1">
-    <dgm:scene3d>
-      <a:camera prst="orthographicFront"/>
-      <a:lightRig rig="threePt" dir="t"/>
-    </dgm:scene3d>
-    <dgm:sp3d/>
-    <dgm:txPr/>
-    <dgm:style>
-      <a:lnRef idx="2">
-        <a:scrgbClr r="0" g="0" b="0"/>
-      </a:lnRef>
-      <a:fillRef idx="1">
-        <a:scrgbClr r="0" g="0" b="0"/>
-      </a:fillRef>
-      <a:effectRef idx="0">
-        <a:scrgbClr r="0" g="0" b="0"/>
-      </a:effectRef>
-      <a:fontRef idx="minor"/>
-    </dgm:style>
-  </dgm:styleLbl>
-  <dgm:styleLbl name="bgImgPlace1">
-    <dgm:scene3d>
-      <a:camera prst="orthographicFront"/>
-      <a:lightRig rig="threePt" dir="t"/>
-    </dgm:scene3d>
-    <dgm:sp3d/>
-    <dgm:txPr/>
-    <dgm:style>
-      <a:lnRef idx="2">
-        <a:scrgbClr r="0" g="0" b="0"/>
-      </a:lnRef>
-      <a:fillRef idx="1">
-        <a:scrgbClr r="0" g="0" b="0"/>
-      </a:fillRef>
-      <a:effectRef idx="0">
-        <a:scrgbClr r="0" g="0" b="0"/>
-      </a:effectRef>
-      <a:fontRef idx="minor"/>
-    </dgm:style>
-  </dgm:styleLbl>
-  <dgm:styleLbl name="sibTrans2D1">
-    <dgm:scene3d>
-      <a:camera prst="orthographicFront"/>
-      <a:lightRig rig="threePt" dir="t"/>
-    </dgm:scene3d>
-    <dgm:sp3d/>
-    <dgm:txPr/>
-    <dgm:style>
-      <a:lnRef idx="0">
-        <a:scrgbClr r="0" g="0" b="0"/>
-      </a:lnRef>
-      <a:fillRef idx="1">
-        <a:scrgbClr r="0" g="0" b="0"/>
-      </a:fillRef>
-      <a:effectRef idx="0">
-        <a:scrgbClr r="0" g="0" b="0"/>
-      </a:effectRef>
-      <a:fontRef idx="minor">
-        <a:schemeClr val="lt1"/>
-      </a:fontRef>
-    </dgm:style>
-  </dgm:styleLbl>
-  <dgm:styleLbl name="fgSibTrans2D1">
-    <dgm:scene3d>
-      <a:camera prst="orthographicFront"/>
-      <a:lightRig rig="threePt" dir="t"/>
-    </dgm:scene3d>
-    <dgm:sp3d/>
-    <dgm:txPr/>
-    <dgm:style>
-      <a:lnRef idx="0">
-        <a:scrgbClr r="0" g="0" b="0"/>
-      </a:lnRef>
-      <a:fillRef idx="1">
-        <a:scrgbClr r="0" g="0" b="0"/>
-      </a:fillRef>
-      <a:effectRef idx="0">
-        <a:scrgbClr r="0" g="0" b="0"/>
-      </a:effectRef>
-      <a:fontRef idx="minor">
-        <a:schemeClr val="lt1"/>
-      </a:fontRef>
-    </dgm:style>
-  </dgm:styleLbl>
-  <dgm:styleLbl name="bgSibTrans2D1">
-    <dgm:scene3d>
-      <a:camera prst="orthographicFront"/>
-      <a:lightRig rig="threePt" dir="t"/>
-    </dgm:scene3d>
-    <dgm:sp3d/>
-    <dgm:txPr/>
-    <dgm:style>
-      <a:lnRef idx="0">
-        <a:scrgbClr r="0" g="0" b="0"/>
-      </a:lnRef>
-      <a:fillRef idx="1">
-        <a:scrgbClr r="0" g="0" b="0"/>
-      </a:fillRef>
-      <a:effectRef idx="0">
-        <a:scrgbClr r="0" g="0" b="0"/>
-      </a:effectRef>
-      <a:fontRef idx="minor">
-        <a:schemeClr val="lt1"/>
-      </a:fontRef>
-    </dgm:style>
-  </dgm:styleLbl>
-  <dgm:styleLbl name="sibTrans1D1">
-    <dgm:scene3d>
-      <a:camera prst="orthographicFront"/>
-      <a:lightRig rig="threePt" dir="t"/>
-    </dgm:scene3d>
-    <dgm:sp3d/>
-    <dgm:txPr/>
-    <dgm:style>
-      <a:lnRef idx="1">
-        <a:scrgbClr r="0" g="0" b="0"/>
-      </a:lnRef>
-      <a:fillRef idx="0">
-        <a:scrgbClr r="0" g="0" b="0"/>
-      </a:fillRef>
-      <a:effectRef idx="0">
-        <a:scrgbClr r="0" g="0" b="0"/>
-      </a:effectRef>
-      <a:fontRef idx="minor"/>
-    </dgm:style>
-  </dgm:styleLbl>
-  <dgm:styleLbl name="callout">
-    <dgm:scene3d>
-      <a:camera prst="orthographicFront"/>
-      <a:lightRig rig="threePt" dir="t"/>
-    </dgm:scene3d>
-    <dgm:sp3d/>
-    <dgm:txPr/>
-    <dgm:style>
-      <a:lnRef idx="2">
-        <a:scrgbClr r="0" g="0" b="0"/>
-      </a:lnRef>
-      <a:fillRef idx="1">
-        <a:scrgbClr r="0" g="0" b="0"/>
-      </a:fillRef>
-      <a:effectRef idx="0">
-        <a:scrgbClr r="0" g="0" b="0"/>
-      </a:effectRef>
-      <a:fontRef idx="minor"/>
-    </dgm:style>
-  </dgm:styleLbl>
-  <dgm:styleLbl name="asst0">
-    <dgm:scene3d>
-      <a:camera prst="orthographicFront"/>
-      <a:lightRig rig="threePt" dir="t"/>
-    </dgm:scene3d>
-    <dgm:sp3d/>
-    <dgm:txPr/>
-    <dgm:style>
-      <a:lnRef idx="2">
-        <a:scrgbClr r="0" g="0" b="0"/>
-      </a:lnRef>
-      <a:fillRef idx="1">
-        <a:scrgbClr r="0" g="0" b="0"/>
-      </a:fillRef>
-      <a:effectRef idx="0">
-        <a:scrgbClr r="0" g="0" b="0"/>
-      </a:effectRef>
-      <a:fontRef idx="minor">
-        <a:schemeClr val="lt1"/>
-      </a:fontRef>
-    </dgm:style>
-  </dgm:styleLbl>
-  <dgm:styleLbl name="asst1">
-    <dgm:scene3d>
-      <a:camera prst="orthographicFront"/>
-      <a:lightRig rig="threePt" dir="t"/>
-    </dgm:scene3d>
-    <dgm:sp3d/>
-    <dgm:txPr/>
-    <dgm:style>
-      <a:lnRef idx="2">
-        <a:scrgbClr r="0" g="0" b="0"/>
-      </a:lnRef>
-      <a:fillRef idx="1">
-        <a:scrgbClr r="0" g="0" b="0"/>
-      </a:fillRef>
-      <a:effectRef idx="0">
-        <a:scrgbClr r="0" g="0" b="0"/>
-      </a:effectRef>
-      <a:fontRef idx="minor">
-        <a:schemeClr val="lt1"/>
-      </a:fontRef>
-    </dgm:style>
-  </dgm:styleLbl>
-  <dgm:styleLbl name="asst2">
-    <dgm:scene3d>
-      <a:camera prst="orthographicFront"/>
-      <a:lightRig rig="threePt" dir="t"/>
-    </dgm:scene3d>
-    <dgm:sp3d/>
-    <dgm:txPr/>
-    <dgm:style>
-      <a:lnRef idx="2">
-        <a:scrgbClr r="0" g="0" b="0"/>
-      </a:lnRef>
-      <a:fillRef idx="1">
-        <a:scrgbClr r="0" g="0" b="0"/>
-      </a:fillRef>
-      <a:effectRef idx="0">
-        <a:scrgbClr r="0" g="0" b="0"/>
-      </a:effectRef>
-      <a:fontRef idx="minor">
-        <a:schemeClr val="lt1"/>
-      </a:fontRef>
-    </dgm:style>
-  </dgm:styleLbl>
-  <dgm:styleLbl name="asst3">
-    <dgm:scene3d>
-      <a:camera prst="orthographicFront"/>
-      <a:lightRig rig="threePt" dir="t"/>
-    </dgm:scene3d>
-    <dgm:sp3d/>
-    <dgm:txPr/>
-    <dgm:style>
-      <a:lnRef idx="2">
-        <a:scrgbClr r="0" g="0" b="0"/>
-      </a:lnRef>
-      <a:fillRef idx="1">
-        <a:scrgbClr r="0" g="0" b="0"/>
-      </a:fillRef>
-      <a:effectRef idx="0">
-        <a:scrgbClr r="0" g="0" b="0"/>
-      </a:effectRef>
-      <a:fontRef idx="minor">
-        <a:schemeClr val="lt1"/>
-      </a:fontRef>
-    </dgm:style>
-  </dgm:styleLbl>
-  <dgm:styleLbl name="asst4">
-    <dgm:scene3d>
-      <a:camera prst="orthographicFront"/>
-      <a:lightRig rig="threePt" dir="t"/>
-    </dgm:scene3d>
-    <dgm:sp3d/>
-    <dgm:txPr/>
-    <dgm:style>
-      <a:lnRef idx="2">
-        <a:scrgbClr r="0" g="0" b="0"/>
-      </a:lnRef>
-      <a:fillRef idx="1">
-        <a:scrgbClr r="0" g="0" b="0"/>
-      </a:fillRef>
-      <a:effectRef idx="0">
-        <a:scrgbClr r="0" g="0" b="0"/>
-      </a:effectRef>
-      <a:fontRef idx="minor">
-        <a:schemeClr val="lt1"/>
-      </a:fontRef>
-    </dgm:style>
-  </dgm:styleLbl>
-  <dgm:styleLbl name="parChTrans2D1">
-    <dgm:scene3d>
-      <a:camera prst="orthographicFront"/>
-      <a:lightRig rig="threePt" dir="t"/>
-    </dgm:scene3d>
-    <dgm:sp3d/>
-    <dgm:txPr/>
-    <dgm:style>
-      <a:lnRef idx="2">
-        <a:scrgbClr r="0" g="0" b="0"/>
-      </a:lnRef>
-      <a:fillRef idx="1">
-        <a:scrgbClr r="0" g="0" b="0"/>
-      </a:fillRef>
-      <a:effectRef idx="0">
-        <a:scrgbClr r="0" g="0" b="0"/>
-      </a:effectRef>
-      <a:fontRef idx="minor">
-        <a:schemeClr val="lt1"/>
-      </a:fontRef>
-    </dgm:style>
-  </dgm:styleLbl>
-  <dgm:styleLbl name="parChTrans2D2">
-    <dgm:scene3d>
-      <a:camera prst="orthographicFront"/>
-      <a:lightRig rig="threePt" dir="t"/>
-    </dgm:scene3d>
-    <dgm:sp3d/>
-    <dgm:txPr/>
-    <dgm:style>
-      <a:lnRef idx="2">
-        <a:scrgbClr r="0" g="0" b="0"/>
-      </a:lnRef>
-      <a:fillRef idx="1">
-        <a:scrgbClr r="0" g="0" b="0"/>
-      </a:fillRef>
-      <a:effectRef idx="0">
-        <a:scrgbClr r="0" g="0" b="0"/>
-      </a:effectRef>
-      <a:fontRef idx="minor">
-        <a:schemeClr val="lt1"/>
-      </a:fontRef>
-    </dgm:style>
-  </dgm:styleLbl>
-  <dgm:styleLbl name="parChTrans2D3">
-    <dgm:scene3d>
-      <a:camera prst="orthographicFront"/>
-      <a:lightRig rig="threePt" dir="t"/>
-    </dgm:scene3d>
-    <dgm:sp3d/>
-    <dgm:txPr/>
-    <dgm:style>
-      <a:lnRef idx="2">
-        <a:scrgbClr r="0" g="0" b="0"/>
-      </a:lnRef>
-      <a:fillRef idx="1">
-        <a:scrgbClr r="0" g="0" b="0"/>
-      </a:fillRef>
-      <a:effectRef idx="0">
-        <a:scrgbClr r="0" g="0" b="0"/>
-      </a:effectRef>
-      <a:fontRef idx="minor">
-        <a:schemeClr val="lt1"/>
-      </a:fontRef>
-    </dgm:style>
-  </dgm:styleLbl>
-  <dgm:styleLbl name="parChTrans2D4">
-    <dgm:scene3d>
-      <a:camera prst="orthographicFront"/>
-      <a:lightRig rig="threePt" dir="t"/>
-    </dgm:scene3d>
-    <dgm:sp3d/>
-    <dgm:txPr/>
-    <dgm:style>
-      <a:lnRef idx="2">
-        <a:scrgbClr r="0" g="0" b="0"/>
-      </a:lnRef>
-      <a:fillRef idx="1">
-        <a:scrgbClr r="0" g="0" b="0"/>
-      </a:fillRef>
-      <a:effectRef idx="0">
-        <a:scrgbClr r="0" g="0" b="0"/>
-      </a:effectRef>
-      <a:fontRef idx="minor">
-        <a:schemeClr val="lt1"/>
-      </a:fontRef>
-    </dgm:style>
-  </dgm:styleLbl>
-  <dgm:styleLbl name="parChTrans1D1">
-    <dgm:scene3d>
-      <a:camera prst="orthographicFront"/>
-      <a:lightRig rig="threePt" dir="t"/>
-    </dgm:scene3d>
-    <dgm:sp3d/>
-    <dgm:txPr/>
-    <dgm:style>
-      <a:lnRef idx="2">
-        <a:scrgbClr r="0" g="0" b="0"/>
-      </a:lnRef>
-      <a:fillRef idx="0">
-        <a:scrgbClr r="0" g="0" b="0"/>
-      </a:fillRef>
-      <a:effectRef idx="0">
-        <a:scrgbClr r="0" g="0" b="0"/>
-      </a:effectRef>
-      <a:fontRef idx="minor"/>
-    </dgm:style>
-  </dgm:styleLbl>
-  <dgm:styleLbl name="parChTrans1D2">
-    <dgm:scene3d>
-      <a:camera prst="orthographicFront"/>
-      <a:lightRig rig="threePt" dir="t"/>
-    </dgm:scene3d>
-    <dgm:sp3d/>
-    <dgm:txPr/>
-    <dgm:style>
-      <a:lnRef idx="2">
-        <a:scrgbClr r="0" g="0" b="0"/>
-      </a:lnRef>
-      <a:fillRef idx="0">
-        <a:scrgbClr r="0" g="0" b="0"/>
-      </a:fillRef>
-      <a:effectRef idx="0">
-        <a:scrgbClr r="0" g="0" b="0"/>
-      </a:effectRef>
-      <a:fontRef idx="minor"/>
-    </dgm:style>
-  </dgm:styleLbl>
-  <dgm:styleLbl name="parChTrans1D3">
-    <dgm:scene3d>
-      <a:camera prst="orthographicFront"/>
-      <a:lightRig rig="threePt" dir="t"/>
-    </dgm:scene3d>
-    <dgm:sp3d/>
-    <dgm:txPr/>
-    <dgm:style>
-      <a:lnRef idx="2">
-        <a:scrgbClr r="0" g="0" b="0"/>
-      </a:lnRef>
-      <a:fillRef idx="0">
-        <a:scrgbClr r="0" g="0" b="0"/>
-      </a:fillRef>
-      <a:effectRef idx="0">
-        <a:scrgbClr r="0" g="0" b="0"/>
-      </a:effectRef>
-      <a:fontRef idx="minor"/>
-    </dgm:style>
-  </dgm:styleLbl>
-  <dgm:styleLbl name="parChTrans1D4">
-    <dgm:scene3d>
-      <a:camera prst="orthographicFront"/>
-      <a:lightRig rig="threePt" dir="t"/>
-    </dgm:scene3d>
-    <dgm:sp3d/>
-    <dgm:txPr/>
-    <dgm:style>
-      <a:lnRef idx="2">
-        <a:scrgbClr r="0" g="0" b="0"/>
-      </a:lnRef>
-      <a:fillRef idx="0">
-        <a:scrgbClr r="0" g="0" b="0"/>
-      </a:fillRef>
-      <a:effectRef idx="0">
-        <a:scrgbClr r="0" g="0" b="0"/>
-      </a:effectRef>
-      <a:fontRef idx="minor"/>
-    </dgm:style>
-  </dgm:styleLbl>
-  <dgm:styleLbl name="fgAcc1">
-    <dgm:scene3d>
-      <a:camera prst="orthographicFront"/>
-      <a:lightRig rig="threePt" dir="t"/>
-    </dgm:scene3d>
-    <dgm:sp3d/>
-    <dgm:txPr/>
-    <dgm:style>
-      <a:lnRef idx="2">
-        <a:scrgbClr r="0" g="0" b="0"/>
-      </a:lnRef>
-      <a:fillRef idx="1">
-        <a:scrgbClr r="0" g="0" b="0"/>
-      </a:fillRef>
-      <a:effectRef idx="0">
-        <a:scrgbClr r="0" g="0" b="0"/>
-      </a:effectRef>
-      <a:fontRef idx="minor"/>
-    </dgm:style>
-  </dgm:styleLbl>
-  <dgm:styleLbl name="conFgAcc1">
-    <dgm:scene3d>
-      <a:camera prst="orthographicFront"/>
-      <a:lightRig rig="threePt" dir="t"/>
-    </dgm:scene3d>
-    <dgm:sp3d/>
-    <dgm:txPr/>
-    <dgm:style>
-      <a:lnRef idx="2">
-        <a:scrgbClr r="0" g="0" b="0"/>
-      </a:lnRef>
-      <a:fillRef idx="1">
-        <a:scrgbClr r="0" g="0" b="0"/>
-      </a:fillRef>
-      <a:effectRef idx="0">
-        <a:scrgbClr r="0" g="0" b="0"/>
-      </a:effectRef>
-      <a:fontRef idx="minor"/>
-    </dgm:style>
-  </dgm:styleLbl>
-  <dgm:styleLbl name="alignAcc1">
-    <dgm:scene3d>
-      <a:camera prst="orthographicFront"/>
-      <a:lightRig rig="threePt" dir="t"/>
-    </dgm:scene3d>
-    <dgm:sp3d/>
-    <dgm:txPr/>
-    <dgm:style>
-      <a:lnRef idx="2">
-        <a:scrgbClr r="0" g="0" b="0"/>
-      </a:lnRef>
-      <a:fillRef idx="1">
-        <a:scrgbClr r="0" g="0" b="0"/>
-      </a:fillRef>
-      <a:effectRef idx="0">
-        <a:scrgbClr r="0" g="0" b="0"/>
-      </a:effectRef>
-      <a:fontRef idx="minor"/>
-    </dgm:style>
-  </dgm:styleLbl>
-  <dgm:styleLbl name="trAlignAcc1">
-    <dgm:scene3d>
-      <a:camera prst="orthographicFront"/>
-      <a:lightRig rig="threePt" dir="t"/>
-    </dgm:scene3d>
-    <dgm:sp3d/>
-    <dgm:txPr/>
-    <dgm:style>
-      <a:lnRef idx="1">
-        <a:scrgbClr r="0" g="0" b="0"/>
-      </a:lnRef>
-      <a:fillRef idx="1">
-        <a:scrgbClr r="0" g="0" b="0"/>
-      </a:fillRef>
-      <a:effectRef idx="0">
-        <a:scrgbClr r="0" g="0" b="0"/>
-      </a:effectRef>
-      <a:fontRef idx="minor"/>
-    </dgm:style>
-  </dgm:styleLbl>
-  <dgm:styleLbl name="bgAcc1">
-    <dgm:scene3d>
-      <a:camera prst="orthographicFront"/>
-      <a:lightRig rig="threePt" dir="t"/>
-    </dgm:scene3d>
-    <dgm:sp3d/>
-    <dgm:txPr/>
-    <dgm:style>
-      <a:lnRef idx="2">
-        <a:scrgbClr r="0" g="0" b="0"/>
-      </a:lnRef>
-      <a:fillRef idx="1">
-        <a:scrgbClr r="0" g="0" b="0"/>
-      </a:fillRef>
-      <a:effectRef idx="0">
-        <a:scrgbClr r="0" g="0" b="0"/>
-      </a:effectRef>
-      <a:fontRef idx="minor"/>
-    </dgm:style>
-  </dgm:styleLbl>
-  <dgm:styleLbl name="solidFgAcc1">
-    <dgm:scene3d>
-      <a:camera prst="orthographicFront"/>
-      <a:lightRig rig="threePt" dir="t"/>
-    </dgm:scene3d>
-    <dgm:sp3d/>
-    <dgm:txPr/>
-    <dgm:style>
-      <a:lnRef idx="2">
-        <a:scrgbClr r="0" g="0" b="0"/>
-      </a:lnRef>
-      <a:fillRef idx="1">
-        <a:scrgbClr r="0" g="0" b="0"/>
-      </a:fillRef>
-      <a:effectRef idx="0">
-        <a:scrgbClr r="0" g="0" b="0"/>
-      </a:effectRef>
-      <a:fontRef idx="minor"/>
-    </dgm:style>
-  </dgm:styleLbl>
-  <dgm:styleLbl name="solidAlignAcc1">
-    <dgm:scene3d>
-      <a:camera prst="orthographicFront"/>
-      <a:lightRig rig="threePt" dir="t"/>
-    </dgm:scene3d>
-    <dgm:sp3d/>
-    <dgm:txPr/>
-    <dgm:style>
-      <a:lnRef idx="2">
-        <a:scrgbClr r="0" g="0" b="0"/>
-      </a:lnRef>
-      <a:fillRef idx="1">
-        <a:scrgbClr r="0" g="0" b="0"/>
-      </a:fillRef>
-      <a:effectRef idx="0">
-        <a:scrgbClr r="0" g="0" b="0"/>
-      </a:effectRef>
-      <a:fontRef idx="minor"/>
-    </dgm:style>
-  </dgm:styleLbl>
-  <dgm:styleLbl name="solidBgAcc1">
-    <dgm:scene3d>
-      <a:camera prst="orthographicFront"/>
-      <a:lightRig rig="threePt" dir="t"/>
-    </dgm:scene3d>
-    <dgm:sp3d/>
-    <dgm:txPr/>
-    <dgm:style>
-      <a:lnRef idx="2">
-        <a:scrgbClr r="0" g="0" b="0"/>
-      </a:lnRef>
-      <a:fillRef idx="1">
-        <a:scrgbClr r="0" g="0" b="0"/>
-      </a:fillRef>
-      <a:effectRef idx="0">
-        <a:scrgbClr r="0" g="0" b="0"/>
-      </a:effectRef>
-      <a:fontRef idx="minor"/>
-    </dgm:style>
-  </dgm:styleLbl>
-  <dgm:styleLbl name="fgAccFollowNode1">
-    <dgm:scene3d>
-      <a:camera prst="orthographicFront"/>
-      <a:lightRig rig="threePt" dir="t"/>
-    </dgm:scene3d>
-    <dgm:sp3d/>
-    <dgm:txPr/>
-    <dgm:style>
-      <a:lnRef idx="2">
-        <a:scrgbClr r="0" g="0" b="0"/>
-      </a:lnRef>
-      <a:fillRef idx="1">
-        <a:scrgbClr r="0" g="0" b="0"/>
-      </a:fillRef>
-      <a:effectRef idx="0">
-        <a:scrgbClr r="0" g="0" b="0"/>
-      </a:effectRef>
-      <a:fontRef idx="minor"/>
-    </dgm:style>
-  </dgm:styleLbl>
-  <dgm:styleLbl name="alignAccFollowNode1">
-    <dgm:scene3d>
-      <a:camera prst="orthographicFront"/>
-      <a:lightRig rig="threePt" dir="t"/>
-    </dgm:scene3d>
-    <dgm:sp3d/>
-    <dgm:txPr/>
-    <dgm:style>
-      <a:lnRef idx="2">
-        <a:scrgbClr r="0" g="0" b="0"/>
-      </a:lnRef>
-      <a:fillRef idx="1">
-        <a:scrgbClr r="0" g="0" b="0"/>
-      </a:fillRef>
-      <a:effectRef idx="0">
-        <a:scrgbClr r="0" g="0" b="0"/>
-      </a:effectRef>
-      <a:fontRef idx="minor"/>
-    </dgm:style>
-  </dgm:styleLbl>
-  <dgm:styleLbl name="bgAccFollowNode1">
-    <dgm:scene3d>
-      <a:camera prst="orthographicFront"/>
-      <a:lightRig rig="threePt" dir="t"/>
-    </dgm:scene3d>
-    <dgm:sp3d/>
-    <dgm:txPr/>
-    <dgm:style>
-      <a:lnRef idx="2">
-        <a:scrgbClr r="0" g="0" b="0"/>
-      </a:lnRef>
-      <a:fillRef idx="1">
-        <a:scrgbClr r="0" g="0" b="0"/>
-      </a:fillRef>
-      <a:effectRef idx="0">
-        <a:scrgbClr r="0" g="0" b="0"/>
-      </a:effectRef>
-      <a:fontRef idx="minor"/>
-    </dgm:style>
-  </dgm:styleLbl>
-  <dgm:styleLbl name="fgAcc0">
-    <dgm:scene3d>
-      <a:camera prst="orthographicFront"/>
-      <a:lightRig rig="threePt" dir="t"/>
-    </dgm:scene3d>
-    <dgm:sp3d/>
-    <dgm:txPr/>
-    <dgm:style>
-      <a:lnRef idx="2">
-        <a:scrgbClr r="0" g="0" b="0"/>
-      </a:lnRef>
-      <a:fillRef idx="1">
-        <a:scrgbClr r="0" g="0" b="0"/>
-      </a:fillRef>
-      <a:effectRef idx="0">
-        <a:scrgbClr r="0" g="0" b="0"/>
-      </a:effectRef>
-      <a:fontRef idx="minor"/>
-    </dgm:style>
-  </dgm:styleLbl>
-  <dgm:styleLbl name="fgAcc2">
-    <dgm:scene3d>
-      <a:camera prst="orthographicFront"/>
-      <a:lightRig rig="threePt" dir="t"/>
-    </dgm:scene3d>
-    <dgm:sp3d/>
-    <dgm:txPr/>
-    <dgm:style>
-      <a:lnRef idx="2">
-        <a:scrgbClr r="0" g="0" b="0"/>
-      </a:lnRef>
-      <a:fillRef idx="1">
-        <a:scrgbClr r="0" g="0" b="0"/>
-      </a:fillRef>
-      <a:effectRef idx="0">
-        <a:scrgbClr r="0" g="0" b="0"/>
-      </a:effectRef>
-      <a:fontRef idx="minor"/>
-    </dgm:style>
-  </dgm:styleLbl>
-  <dgm:styleLbl name="fgAcc3">
-    <dgm:scene3d>
-      <a:camera prst="orthographicFront"/>
-      <a:lightRig rig="threePt" dir="t"/>
-    </dgm:scene3d>
-    <dgm:sp3d/>
-    <dgm:txPr/>
-    <dgm:style>
-      <a:lnRef idx="2">
-        <a:scrgbClr r="0" g="0" b="0"/>
-      </a:lnRef>
-      <a:fillRef idx="1">
-        <a:scrgbClr r="0" g="0" b="0"/>
-      </a:fillRef>
-      <a:effectRef idx="0">
-        <a:scrgbClr r="0" g="0" b="0"/>
-      </a:effectRef>
-      <a:fontRef idx="minor"/>
-    </dgm:style>
-  </dgm:styleLbl>
-  <dgm:styleLbl name="fgAcc4">
-    <dgm:scene3d>
-      <a:camera prst="orthographicFront"/>
-      <a:lightRig rig="threePt" dir="t"/>
-    </dgm:scene3d>
-    <dgm:sp3d/>
-    <dgm:txPr/>
-    <dgm:style>
-      <a:lnRef idx="2">
-        <a:scrgbClr r="0" g="0" b="0"/>
-      </a:lnRef>
-      <a:fillRef idx="1">
-        <a:scrgbClr r="0" g="0" b="0"/>
-      </a:fillRef>
-      <a:effectRef idx="0">
-        <a:scrgbClr r="0" g="0" b="0"/>
-      </a:effectRef>
-      <a:fontRef idx="minor"/>
-    </dgm:style>
-  </dgm:styleLbl>
-  <dgm:styleLbl name="bgShp">
-    <dgm:scene3d>
-      <a:camera prst="orthographicFront"/>
-      <a:lightRig rig="threePt" dir="t"/>
-    </dgm:scene3d>
-    <dgm:sp3d/>
-    <dgm:txPr/>
-    <dgm:style>
-      <a:lnRef idx="0">
-        <a:scrgbClr r="0" g="0" b="0"/>
-      </a:lnRef>
-      <a:fillRef idx="1">
-        <a:scrgbClr r="0" g="0" b="0"/>
-      </a:fillRef>
-      <a:effectRef idx="0">
-        <a:scrgbClr r="0" g="0" b="0"/>
-      </a:effectRef>
-      <a:fontRef idx="minor"/>
-    </dgm:style>
-  </dgm:styleLbl>
-  <dgm:styleLbl name="dkBgShp">
-    <dgm:scene3d>
-      <a:camera prst="orthographicFront"/>
-      <a:lightRig rig="threePt" dir="t"/>
-    </dgm:scene3d>
-    <dgm:sp3d/>
-    <dgm:txPr/>
-    <dgm:style>
-      <a:lnRef idx="0">
-        <a:scrgbClr r="0" g="0" b="0"/>
-      </a:lnRef>
-      <a:fillRef idx="1">
-        <a:scrgbClr r="0" g="0" b="0"/>
-      </a:fillRef>
-      <a:effectRef idx="0">
-        <a:scrgbClr r="0" g="0" b="0"/>
-      </a:effectRef>
-      <a:fontRef idx="minor"/>
-    </dgm:style>
-  </dgm:styleLbl>
-  <dgm:styleLbl name="trBgShp">
-    <dgm:scene3d>
-      <a:camera prst="orthographicFront"/>
-      <a:lightRig rig="threePt" dir="t"/>
-    </dgm:scene3d>
-    <dgm:sp3d/>
-    <dgm:txPr/>
-    <dgm:style>
-      <a:lnRef idx="0">
-        <a:scrgbClr r="0" g="0" b="0"/>
-      </a:lnRef>
-      <a:fillRef idx="1">
-        <a:scrgbClr r="0" g="0" b="0"/>
-      </a:fillRef>
-      <a:effectRef idx="0">
-        <a:scrgbClr r="0" g="0" b="0"/>
-      </a:effectRef>
-      <a:fontRef idx="minor"/>
-    </dgm:style>
-  </dgm:styleLbl>
-  <dgm:styleLbl name="fgShp">
-    <dgm:scene3d>
-      <a:camera prst="orthographicFront"/>
-      <a:lightRig rig="threePt" dir="t"/>
-    </dgm:scene3d>
-    <dgm:sp3d/>
-    <dgm:txPr/>
-    <dgm:style>
-      <a:lnRef idx="2">
-        <a:scrgbClr r="0" g="0" b="0"/>
-      </a:lnRef>
-      <a:fillRef idx="1">
-        <a:scrgbClr r="0" g="0" b="0"/>
-      </a:fillRef>
-      <a:effectRef idx="0">
-        <a:scrgbClr r="0" g="0" b="0"/>
-      </a:effectRef>
-      <a:fontRef idx="minor"/>
-    </dgm:style>
-  </dgm:styleLbl>
-  <dgm:styleLbl name="revTx">
-    <dgm:scene3d>
-      <a:camera prst="orthographicFront"/>
-      <a:lightRig rig="threePt" dir="t"/>
-    </dgm:scene3d>
-    <dgm:sp3d/>
-    <dgm:txPr/>
-    <dgm:style>
-      <a:lnRef idx="0">
-        <a:scrgbClr r="0" g="0" b="0"/>
-      </a:lnRef>
-      <a:fillRef idx="0">
-        <a:scrgbClr r="0" g="0" b="0"/>
-      </a:fillRef>
-      <a:effectRef idx="0">
-        <a:scrgbClr r="0" g="0" b="0"/>
-      </a:effectRef>
-      <a:fontRef idx="minor"/>
-    </dgm:style>
-  </dgm:styleLbl>
-</dgm:styleDef>
-</file>
-
 <file path=ppt/slideLayouts/slideLayout1.xml><?xml version="1.0" encoding="utf-8"?>
 <p:sldLayout xmlns:a="http://schemas.openxmlformats.org/drawingml/2006/main" xmlns:r="http://schemas.openxmlformats.org/officeDocument/2006/relationships" xmlns:p="http://schemas.openxmlformats.org/presentationml/2006/main" type="title" preserve="1">
   <p:cSld name="Title Slide">
@@ -7587,6 +4375,7 @@
           <a:p>
             <a:pPr algn="ctr" defTabSz="914400"/>
             <a:r>
+              <a:rPr dirty="0"/>
               <a:t>Company History</a:t>
             </a:r>
           </a:p>
@@ -7621,6 +4410,7 @@
           <a:p>
             <a:pPr defTabSz="914400"/>
             <a:r>
+              <a:rPr dirty="0"/>
               <a:t>IMN Solutions PVT LTD is the software company, established in 1987, by George Milton. The company has been listed as the trusted partner for many high-profile organizations since 1988 and got awards for quality products from reputed organizations.</a:t>
             </a:r>
           </a:p>
@@ -7657,6 +4447,7 @@
               <a:buAutoNum type="arabicPeriod"/>
             </a:pPr>
             <a:r>
+              <a:rPr dirty="0"/>
               <a:t>The company acquired the MCY corporation for 20 billion dollars and became the top revenue maker for the year 2015.</a:t>
             </a:r>
           </a:p>
@@ -7665,6 +4456,7 @@
               <a:buAutoNum type="arabicPeriod"/>
             </a:pPr>
             <a:r>
+              <a:rPr dirty="0"/>
               <a:t>The company is participating in top open source projects in automation industry.</a:t>
             </a:r>
           </a:p>
@@ -7817,73 +4609,6 @@
 </file>
 
 <file path=ppt/slides/slide3.xml><?xml version="1.0" encoding="utf-8"?>
-<p:sld xmlns:a="http://schemas.openxmlformats.org/drawingml/2006/main" xmlns:r="http://schemas.openxmlformats.org/officeDocument/2006/relationships" xmlns:p="http://schemas.openxmlformats.org/presentationml/2006/main">
-  <p:cSld>
-    <p:bg>
-      <p:bgPr>
-        <a:blipFill>
-          <a:blip r:embed="rId2"/>
-          <a:tile tx="0" ty="0" sx="100000" sy="100000" flip="none" algn="tl"/>
-        </a:blipFill>
-        <a:effectLst/>
-      </p:bgPr>
-    </p:bg>
-    <p:spTree>
-      <p:nvGrpSpPr>
-        <p:cNvPr id="1" name=""/>
-        <p:cNvGrpSpPr/>
-        <p:nvPr/>
-      </p:nvGrpSpPr>
-      <p:grpSpPr>
-        <a:xfrm>
-          <a:off x="0" y="0"/>
-          <a:ext cx="0" cy="0"/>
-          <a:chOff x="0" y="0"/>
-          <a:chExt cx="0" cy="0"/>
-        </a:xfrm>
-      </p:grpSpPr>
-      <p:graphicFrame>
-        <p:nvGraphicFramePr>
-          <p:cNvPr id="3" name="Diagram 2">
-            <a:extLst>
-              <a:ext uri="{FF2B5EF4-FFF2-40B4-BE49-F238E27FC236}">
-                <a16:creationId xmlns:a16="http://schemas.microsoft.com/office/drawing/2014/main" id="{7256160C-8C19-4589-9FC7-4CF03EF728A6}"/>
-              </a:ext>
-            </a:extLst>
-          </p:cNvPr>
-          <p:cNvGraphicFramePr/>
-          <p:nvPr>
-            <p:extLst>
-              <p:ext uri="{D42A27DB-BD31-4B8C-83A1-F6EECF244321}">
-                <p14:modId xmlns:p14="http://schemas.microsoft.com/office/powerpoint/2010/main" val="2761564853"/>
-              </p:ext>
-            </p:extLst>
-          </p:nvPr>
-        </p:nvGraphicFramePr>
-        <p:xfrm>
-          <a:off x="2032000" y="719666"/>
-          <a:ext cx="8128000" cy="5418667"/>
-        </p:xfrm>
-        <a:graphic>
-          <a:graphicData uri="http://schemas.openxmlformats.org/drawingml/2006/diagram">
-            <dgm:relIds xmlns:dgm="http://schemas.openxmlformats.org/drawingml/2006/diagram" xmlns:r="http://schemas.openxmlformats.org/officeDocument/2006/relationships" r:dm="rId3" r:lo="rId4" r:qs="rId5" r:cs="rId6"/>
-          </a:graphicData>
-        </a:graphic>
-      </p:graphicFrame>
-    </p:spTree>
-    <p:extLst>
-      <p:ext uri="{BB962C8B-B14F-4D97-AF65-F5344CB8AC3E}">
-        <p14:creationId xmlns:p14="http://schemas.microsoft.com/office/powerpoint/2010/main" val="434134414"/>
-      </p:ext>
-    </p:extLst>
-  </p:cSld>
-  <p:clrMapOvr>
-    <a:masterClrMapping/>
-  </p:clrMapOvr>
-</p:sld>
-</file>
-
-<file path=ppt/slides/slide4.xml><?xml version="1.0" encoding="utf-8"?>
 <p:sld xmlns:a="http://schemas.openxmlformats.org/drawingml/2006/main" xmlns:r="http://schemas.openxmlformats.org/officeDocument/2006/relationships" xmlns:p="http://schemas.openxmlformats.org/presentationml/2006/main">
   <p:cSld>
     <p:spTree>

--- a/wwwroot/Presentation/Template.pptx
+++ b/wwwroot/Presentation/Template.pptx
@@ -6,8 +6,9 @@
   </p:sldMasterIdLst>
   <p:sldIdLst>
     <p:sldId id="256" r:id="rId2"/>
-    <p:sldId id="260" r:id="rId3"/>
-    <p:sldId id="261" r:id="rId4"/>
+    <p:sldId id="263" r:id="rId3"/>
+    <p:sldId id="260" r:id="rId4"/>
+    <p:sldId id="261" r:id="rId5"/>
   </p:sldIdLst>
   <p:sldSz cx="12192000" cy="6858000"/>
   <p:notesSz cx="6858000" cy="9144000"/>
@@ -1286,7 +1287,7 @@
           <a:p>
             <a:fld id="{5455A7CF-DB6C-4325-93B5-8C3F06D80356}" type="datetimeFigureOut">
               <a:rPr lang="en-US" smtClean="0"/>
-              <a:t>2/27/2019</a:t>
+              <a:t>6/16/2021</a:t>
             </a:fld>
             <a:endParaRPr lang="en-US"/>
           </a:p>
@@ -1484,7 +1485,7 @@
           <a:p>
             <a:fld id="{5455A7CF-DB6C-4325-93B5-8C3F06D80356}" type="datetimeFigureOut">
               <a:rPr lang="en-US" smtClean="0"/>
-              <a:t>2/27/2019</a:t>
+              <a:t>6/16/2021</a:t>
             </a:fld>
             <a:endParaRPr lang="en-US"/>
           </a:p>
@@ -1692,7 +1693,7 @@
           <a:p>
             <a:fld id="{5455A7CF-DB6C-4325-93B5-8C3F06D80356}" type="datetimeFigureOut">
               <a:rPr lang="en-US" smtClean="0"/>
-              <a:t>2/27/2019</a:t>
+              <a:t>6/16/2021</a:t>
             </a:fld>
             <a:endParaRPr lang="en-US"/>
           </a:p>
@@ -1890,7 +1891,7 @@
           <a:p>
             <a:fld id="{5455A7CF-DB6C-4325-93B5-8C3F06D80356}" type="datetimeFigureOut">
               <a:rPr lang="en-US" smtClean="0"/>
-              <a:t>2/27/2019</a:t>
+              <a:t>6/16/2021</a:t>
             </a:fld>
             <a:endParaRPr lang="en-US"/>
           </a:p>
@@ -2165,7 +2166,7 @@
           <a:p>
             <a:fld id="{5455A7CF-DB6C-4325-93B5-8C3F06D80356}" type="datetimeFigureOut">
               <a:rPr lang="en-US" smtClean="0"/>
-              <a:t>2/27/2019</a:t>
+              <a:t>6/16/2021</a:t>
             </a:fld>
             <a:endParaRPr lang="en-US"/>
           </a:p>
@@ -2430,7 +2431,7 @@
           <a:p>
             <a:fld id="{5455A7CF-DB6C-4325-93B5-8C3F06D80356}" type="datetimeFigureOut">
               <a:rPr lang="en-US" smtClean="0"/>
-              <a:t>2/27/2019</a:t>
+              <a:t>6/16/2021</a:t>
             </a:fld>
             <a:endParaRPr lang="en-US"/>
           </a:p>
@@ -2842,7 +2843,7 @@
           <a:p>
             <a:fld id="{5455A7CF-DB6C-4325-93B5-8C3F06D80356}" type="datetimeFigureOut">
               <a:rPr lang="en-US" smtClean="0"/>
-              <a:t>2/27/2019</a:t>
+              <a:t>6/16/2021</a:t>
             </a:fld>
             <a:endParaRPr lang="en-US"/>
           </a:p>
@@ -2983,7 +2984,7 @@
           <a:p>
             <a:fld id="{5455A7CF-DB6C-4325-93B5-8C3F06D80356}" type="datetimeFigureOut">
               <a:rPr lang="en-US" smtClean="0"/>
-              <a:t>2/27/2019</a:t>
+              <a:t>6/16/2021</a:t>
             </a:fld>
             <a:endParaRPr lang="en-US"/>
           </a:p>
@@ -3096,7 +3097,7 @@
           <a:p>
             <a:fld id="{5455A7CF-DB6C-4325-93B5-8C3F06D80356}" type="datetimeFigureOut">
               <a:rPr lang="en-US" smtClean="0"/>
-              <a:t>2/27/2019</a:t>
+              <a:t>6/16/2021</a:t>
             </a:fld>
             <a:endParaRPr lang="en-US"/>
           </a:p>
@@ -3407,7 +3408,7 @@
           <a:p>
             <a:fld id="{5455A7CF-DB6C-4325-93B5-8C3F06D80356}" type="datetimeFigureOut">
               <a:rPr lang="en-US" smtClean="0"/>
-              <a:t>2/27/2019</a:t>
+              <a:t>6/16/2021</a:t>
             </a:fld>
             <a:endParaRPr lang="en-US"/>
           </a:p>
@@ -3695,7 +3696,7 @@
           <a:p>
             <a:fld id="{5455A7CF-DB6C-4325-93B5-8C3F06D80356}" type="datetimeFigureOut">
               <a:rPr lang="en-US" smtClean="0"/>
-              <a:t>2/27/2019</a:t>
+              <a:t>6/16/2021</a:t>
             </a:fld>
             <a:endParaRPr lang="en-US"/>
           </a:p>
@@ -3936,7 +3937,7 @@
           <a:p>
             <a:fld id="{5455A7CF-DB6C-4325-93B5-8C3F06D80356}" type="datetimeFigureOut">
               <a:rPr lang="en-US" smtClean="0"/>
-              <a:t>2/27/2019</a:t>
+              <a:t>6/16/2021</a:t>
             </a:fld>
             <a:endParaRPr lang="en-US"/>
           </a:p>
@@ -4567,6 +4568,160 @@
           <a:chExt cx="0" cy="0"/>
         </a:xfrm>
       </p:grpSpPr>
+      <p:sp>
+        <p:nvSpPr>
+          <p:cNvPr id="2" name="Title 1"/>
+          <p:cNvSpPr>
+            <a:spLocks noGrp="1"/>
+          </p:cNvSpPr>
+          <p:nvPr>
+            <p:ph type="title"/>
+          </p:nvPr>
+        </p:nvSpPr>
+        <p:spPr bwMode="white">
+          <a:ln>
+            <a:headEnd type="none"/>
+            <a:tailEnd type="none"/>
+          </a:ln>
+        </p:spPr>
+        <p:txBody>
+          <a:bodyPr wrap="square"/>
+          <a:lstStyle/>
+          <a:p>
+            <a:pPr algn="ctr" defTabSz="914400"/>
+            <a:r>
+              <a:rPr lang="en-US" dirty="0"/>
+              <a:t>Multicolumn</a:t>
+            </a:r>
+            <a:endParaRPr dirty="0"/>
+          </a:p>
+        </p:txBody>
+      </p:sp>
+      <p:sp>
+        <p:nvSpPr>
+          <p:cNvPr id="4" name="TextBox 3">
+            <a:extLst>
+              <a:ext uri="{FF2B5EF4-FFF2-40B4-BE49-F238E27FC236}">
+                <a16:creationId xmlns:a16="http://schemas.microsoft.com/office/drawing/2014/main" id="{CD6919FA-F7FC-4176-8CEC-74CFFF0B7911}"/>
+              </a:ext>
+            </a:extLst>
+          </p:cNvPr>
+          <p:cNvSpPr txBox="1"/>
+          <p:nvPr/>
+        </p:nvSpPr>
+        <p:spPr>
+          <a:xfrm>
+            <a:off x="1717287" y="1690688"/>
+            <a:ext cx="8720253" cy="3419856"/>
+          </a:xfrm>
+          <a:prstGeom prst="rect">
+            <a:avLst/>
+          </a:prstGeom>
+          <a:noFill/>
+        </p:spPr>
+        <p:txBody>
+          <a:bodyPr wrap="square" numCol="3" spcCol="365760" rtlCol="0">
+            <a:spAutoFit/>
+          </a:bodyPr>
+          <a:lstStyle/>
+          <a:p>
+            <a:pPr algn="l"/>
+            <a:r>
+              <a:rPr lang="en-US" sz="1800" dirty="0">
+                <a:solidFill>
+                  <a:srgbClr val="000000"/>
+                </a:solidFill>
+                <a:latin typeface="Calibri" panose="020F0502020204030204" pitchFamily="34" charset="0"/>
+                <a:cs typeface="Calibri" panose="020F0502020204030204" pitchFamily="34" charset="0"/>
+              </a:rPr>
+              <a:t>Adventure Works Cycles, the fictitious company on which the Adventure Works sample databases are based, is a large, multinational manufacturing company. The company manufactures and sells metal and composite to North American, European and Asian commercial markets. While its base operation is located in Bothell, Washington with 290 employees, several regional sales teams are located throughout their market base.</a:t>
+            </a:r>
+          </a:p>
+          <a:p>
+            <a:pPr algn="l"/>
+            <a:r>
+              <a:rPr lang="en-US" sz="1800" dirty="0">
+                <a:solidFill>
+                  <a:srgbClr val="000000"/>
+                </a:solidFill>
+                <a:latin typeface="Calibri" panose="020F0502020204030204" pitchFamily="34" charset="0"/>
+                <a:cs typeface="Calibri" panose="020F0502020204030204" pitchFamily="34" charset="0"/>
+              </a:rPr>
+              <a:t>In 2000, Adventure Works Cycles bought a small manufacturing plant, </a:t>
+            </a:r>
+            <a:r>
+              <a:rPr lang="en-US" sz="1800" dirty="0" err="1">
+                <a:solidFill>
+                  <a:srgbClr val="000000"/>
+                </a:solidFill>
+                <a:latin typeface="Calibri" panose="020F0502020204030204" pitchFamily="34" charset="0"/>
+                <a:cs typeface="Calibri" panose="020F0502020204030204" pitchFamily="34" charset="0"/>
+              </a:rPr>
+              <a:t>Importadores</a:t>
+            </a:r>
+            <a:r>
+              <a:rPr lang="en-US" sz="1800" dirty="0">
+                <a:solidFill>
+                  <a:srgbClr val="000000"/>
+                </a:solidFill>
+                <a:latin typeface="Calibri" panose="020F0502020204030204" pitchFamily="34" charset="0"/>
+                <a:cs typeface="Calibri" panose="020F0502020204030204" pitchFamily="34" charset="0"/>
+              </a:rPr>
+              <a:t> Neptuno, located in Mexico. </a:t>
+            </a:r>
+            <a:r>
+              <a:rPr lang="en-US" sz="1800" dirty="0" err="1">
+                <a:solidFill>
+                  <a:srgbClr val="000000"/>
+                </a:solidFill>
+                <a:latin typeface="Calibri" panose="020F0502020204030204" pitchFamily="34" charset="0"/>
+                <a:cs typeface="Calibri" panose="020F0502020204030204" pitchFamily="34" charset="0"/>
+              </a:rPr>
+              <a:t>Importadores</a:t>
+            </a:r>
+            <a:r>
+              <a:rPr lang="en-US" sz="1800" dirty="0">
+                <a:solidFill>
+                  <a:srgbClr val="000000"/>
+                </a:solidFill>
+                <a:latin typeface="Calibri" panose="020F0502020204030204" pitchFamily="34" charset="0"/>
+                <a:cs typeface="Calibri" panose="020F0502020204030204" pitchFamily="34" charset="0"/>
+              </a:rPr>
+              <a:t> Neptuno manufactures several critical subcomponents for the Adventure Works product line. These subcomponents are shipped to the Bothell location for final product assembly. </a:t>
+            </a:r>
+          </a:p>
+        </p:txBody>
+      </p:sp>
+    </p:spTree>
+    <p:extLst>
+      <p:ext uri="{BB962C8B-B14F-4D97-AF65-F5344CB8AC3E}">
+        <p14:creationId xmlns:p14="http://schemas.microsoft.com/office/powerpoint/2010/main" val="4200657664"/>
+      </p:ext>
+    </p:extLst>
+  </p:cSld>
+  <p:clrMapOvr>
+    <a:masterClrMapping/>
+  </p:clrMapOvr>
+</p:sld>
+</file>
+
+<file path=ppt/slides/slide3.xml><?xml version="1.0" encoding="utf-8"?>
+<p:sld xmlns:a="http://schemas.openxmlformats.org/drawingml/2006/main" xmlns:r="http://schemas.openxmlformats.org/officeDocument/2006/relationships" xmlns:p="http://schemas.openxmlformats.org/presentationml/2006/main">
+  <p:cSld>
+    <p:spTree>
+      <p:nvGrpSpPr>
+        <p:cNvPr id="1" name=""/>
+        <p:cNvGrpSpPr/>
+        <p:nvPr/>
+      </p:nvGrpSpPr>
+      <p:grpSpPr>
+        <a:xfrm>
+          <a:off x="0" y="0"/>
+          <a:ext cx="0" cy="0"/>
+          <a:chOff x="0" y="0"/>
+          <a:chExt cx="0" cy="0"/>
+        </a:xfrm>
+      </p:grpSpPr>
       <p:graphicFrame>
         <p:nvGraphicFramePr>
           <p:cNvPr id="4" name="Chart 3">
@@ -4608,7 +4763,7 @@
 </p:sld>
 </file>
 
-<file path=ppt/slides/slide3.xml><?xml version="1.0" encoding="utf-8"?>
+<file path=ppt/slides/slide4.xml><?xml version="1.0" encoding="utf-8"?>
 <p:sld xmlns:a="http://schemas.openxmlformats.org/drawingml/2006/main" xmlns:r="http://schemas.openxmlformats.org/officeDocument/2006/relationships" xmlns:p="http://schemas.openxmlformats.org/presentationml/2006/main">
   <p:cSld>
     <p:spTree>

--- a/wwwroot/Presentation/Template.pptx
+++ b/wwwroot/Presentation/Template.pptx
@@ -6,9 +6,8 @@
   </p:sldMasterIdLst>
   <p:sldIdLst>
     <p:sldId id="256" r:id="rId2"/>
-    <p:sldId id="263" r:id="rId3"/>
-    <p:sldId id="260" r:id="rId4"/>
-    <p:sldId id="261" r:id="rId5"/>
+    <p:sldId id="260" r:id="rId3"/>
+    <p:sldId id="261" r:id="rId4"/>
   </p:sldIdLst>
   <p:sldSz cx="12192000" cy="6858000"/>
   <p:notesSz cx="6858000" cy="9144000"/>
@@ -1287,7 +1286,7 @@
           <a:p>
             <a:fld id="{5455A7CF-DB6C-4325-93B5-8C3F06D80356}" type="datetimeFigureOut">
               <a:rPr lang="en-US" smtClean="0"/>
-              <a:t>6/16/2021</a:t>
+              <a:t>2/27/2019</a:t>
             </a:fld>
             <a:endParaRPr lang="en-US"/>
           </a:p>
@@ -1485,7 +1484,7 @@
           <a:p>
             <a:fld id="{5455A7CF-DB6C-4325-93B5-8C3F06D80356}" type="datetimeFigureOut">
               <a:rPr lang="en-US" smtClean="0"/>
-              <a:t>6/16/2021</a:t>
+              <a:t>2/27/2019</a:t>
             </a:fld>
             <a:endParaRPr lang="en-US"/>
           </a:p>
@@ -1693,7 +1692,7 @@
           <a:p>
             <a:fld id="{5455A7CF-DB6C-4325-93B5-8C3F06D80356}" type="datetimeFigureOut">
               <a:rPr lang="en-US" smtClean="0"/>
-              <a:t>6/16/2021</a:t>
+              <a:t>2/27/2019</a:t>
             </a:fld>
             <a:endParaRPr lang="en-US"/>
           </a:p>
@@ -1891,7 +1890,7 @@
           <a:p>
             <a:fld id="{5455A7CF-DB6C-4325-93B5-8C3F06D80356}" type="datetimeFigureOut">
               <a:rPr lang="en-US" smtClean="0"/>
-              <a:t>6/16/2021</a:t>
+              <a:t>2/27/2019</a:t>
             </a:fld>
             <a:endParaRPr lang="en-US"/>
           </a:p>
@@ -2166,7 +2165,7 @@
           <a:p>
             <a:fld id="{5455A7CF-DB6C-4325-93B5-8C3F06D80356}" type="datetimeFigureOut">
               <a:rPr lang="en-US" smtClean="0"/>
-              <a:t>6/16/2021</a:t>
+              <a:t>2/27/2019</a:t>
             </a:fld>
             <a:endParaRPr lang="en-US"/>
           </a:p>
@@ -2431,7 +2430,7 @@
           <a:p>
             <a:fld id="{5455A7CF-DB6C-4325-93B5-8C3F06D80356}" type="datetimeFigureOut">
               <a:rPr lang="en-US" smtClean="0"/>
-              <a:t>6/16/2021</a:t>
+              <a:t>2/27/2019</a:t>
             </a:fld>
             <a:endParaRPr lang="en-US"/>
           </a:p>
@@ -2843,7 +2842,7 @@
           <a:p>
             <a:fld id="{5455A7CF-DB6C-4325-93B5-8C3F06D80356}" type="datetimeFigureOut">
               <a:rPr lang="en-US" smtClean="0"/>
-              <a:t>6/16/2021</a:t>
+              <a:t>2/27/2019</a:t>
             </a:fld>
             <a:endParaRPr lang="en-US"/>
           </a:p>
@@ -2984,7 +2983,7 @@
           <a:p>
             <a:fld id="{5455A7CF-DB6C-4325-93B5-8C3F06D80356}" type="datetimeFigureOut">
               <a:rPr lang="en-US" smtClean="0"/>
-              <a:t>6/16/2021</a:t>
+              <a:t>2/27/2019</a:t>
             </a:fld>
             <a:endParaRPr lang="en-US"/>
           </a:p>
@@ -3097,7 +3096,7 @@
           <a:p>
             <a:fld id="{5455A7CF-DB6C-4325-93B5-8C3F06D80356}" type="datetimeFigureOut">
               <a:rPr lang="en-US" smtClean="0"/>
-              <a:t>6/16/2021</a:t>
+              <a:t>2/27/2019</a:t>
             </a:fld>
             <a:endParaRPr lang="en-US"/>
           </a:p>
@@ -3408,7 +3407,7 @@
           <a:p>
             <a:fld id="{5455A7CF-DB6C-4325-93B5-8C3F06D80356}" type="datetimeFigureOut">
               <a:rPr lang="en-US" smtClean="0"/>
-              <a:t>6/16/2021</a:t>
+              <a:t>2/27/2019</a:t>
             </a:fld>
             <a:endParaRPr lang="en-US"/>
           </a:p>
@@ -3696,7 +3695,7 @@
           <a:p>
             <a:fld id="{5455A7CF-DB6C-4325-93B5-8C3F06D80356}" type="datetimeFigureOut">
               <a:rPr lang="en-US" smtClean="0"/>
-              <a:t>6/16/2021</a:t>
+              <a:t>2/27/2019</a:t>
             </a:fld>
             <a:endParaRPr lang="en-US"/>
           </a:p>
@@ -3937,7 +3936,7 @@
           <a:p>
             <a:fld id="{5455A7CF-DB6C-4325-93B5-8C3F06D80356}" type="datetimeFigureOut">
               <a:rPr lang="en-US" smtClean="0"/>
-              <a:t>6/16/2021</a:t>
+              <a:t>2/27/2019</a:t>
             </a:fld>
             <a:endParaRPr lang="en-US"/>
           </a:p>
@@ -4568,160 +4567,6 @@
           <a:chExt cx="0" cy="0"/>
         </a:xfrm>
       </p:grpSpPr>
-      <p:sp>
-        <p:nvSpPr>
-          <p:cNvPr id="2" name="Title 1"/>
-          <p:cNvSpPr>
-            <a:spLocks noGrp="1"/>
-          </p:cNvSpPr>
-          <p:nvPr>
-            <p:ph type="title"/>
-          </p:nvPr>
-        </p:nvSpPr>
-        <p:spPr bwMode="white">
-          <a:ln>
-            <a:headEnd type="none"/>
-            <a:tailEnd type="none"/>
-          </a:ln>
-        </p:spPr>
-        <p:txBody>
-          <a:bodyPr wrap="square"/>
-          <a:lstStyle/>
-          <a:p>
-            <a:pPr algn="ctr" defTabSz="914400"/>
-            <a:r>
-              <a:rPr lang="en-US" dirty="0"/>
-              <a:t>Multicolumn</a:t>
-            </a:r>
-            <a:endParaRPr dirty="0"/>
-          </a:p>
-        </p:txBody>
-      </p:sp>
-      <p:sp>
-        <p:nvSpPr>
-          <p:cNvPr id="4" name="TextBox 3">
-            <a:extLst>
-              <a:ext uri="{FF2B5EF4-FFF2-40B4-BE49-F238E27FC236}">
-                <a16:creationId xmlns:a16="http://schemas.microsoft.com/office/drawing/2014/main" id="{CD6919FA-F7FC-4176-8CEC-74CFFF0B7911}"/>
-              </a:ext>
-            </a:extLst>
-          </p:cNvPr>
-          <p:cNvSpPr txBox="1"/>
-          <p:nvPr/>
-        </p:nvSpPr>
-        <p:spPr>
-          <a:xfrm>
-            <a:off x="1717287" y="1690688"/>
-            <a:ext cx="8720253" cy="3419856"/>
-          </a:xfrm>
-          <a:prstGeom prst="rect">
-            <a:avLst/>
-          </a:prstGeom>
-          <a:noFill/>
-        </p:spPr>
-        <p:txBody>
-          <a:bodyPr wrap="square" numCol="3" spcCol="365760" rtlCol="0">
-            <a:spAutoFit/>
-          </a:bodyPr>
-          <a:lstStyle/>
-          <a:p>
-            <a:pPr algn="l"/>
-            <a:r>
-              <a:rPr lang="en-US" sz="1800" dirty="0">
-                <a:solidFill>
-                  <a:srgbClr val="000000"/>
-                </a:solidFill>
-                <a:latin typeface="Calibri" panose="020F0502020204030204" pitchFamily="34" charset="0"/>
-                <a:cs typeface="Calibri" panose="020F0502020204030204" pitchFamily="34" charset="0"/>
-              </a:rPr>
-              <a:t>Adventure Works Cycles, the fictitious company on which the Adventure Works sample databases are based, is a large, multinational manufacturing company. The company manufactures and sells metal and composite to North American, European and Asian commercial markets. While its base operation is located in Bothell, Washington with 290 employees, several regional sales teams are located throughout their market base.</a:t>
-            </a:r>
-          </a:p>
-          <a:p>
-            <a:pPr algn="l"/>
-            <a:r>
-              <a:rPr lang="en-US" sz="1800" dirty="0">
-                <a:solidFill>
-                  <a:srgbClr val="000000"/>
-                </a:solidFill>
-                <a:latin typeface="Calibri" panose="020F0502020204030204" pitchFamily="34" charset="0"/>
-                <a:cs typeface="Calibri" panose="020F0502020204030204" pitchFamily="34" charset="0"/>
-              </a:rPr>
-              <a:t>In 2000, Adventure Works Cycles bought a small manufacturing plant, </a:t>
-            </a:r>
-            <a:r>
-              <a:rPr lang="en-US" sz="1800" dirty="0" err="1">
-                <a:solidFill>
-                  <a:srgbClr val="000000"/>
-                </a:solidFill>
-                <a:latin typeface="Calibri" panose="020F0502020204030204" pitchFamily="34" charset="0"/>
-                <a:cs typeface="Calibri" panose="020F0502020204030204" pitchFamily="34" charset="0"/>
-              </a:rPr>
-              <a:t>Importadores</a:t>
-            </a:r>
-            <a:r>
-              <a:rPr lang="en-US" sz="1800" dirty="0">
-                <a:solidFill>
-                  <a:srgbClr val="000000"/>
-                </a:solidFill>
-                <a:latin typeface="Calibri" panose="020F0502020204030204" pitchFamily="34" charset="0"/>
-                <a:cs typeface="Calibri" panose="020F0502020204030204" pitchFamily="34" charset="0"/>
-              </a:rPr>
-              <a:t> Neptuno, located in Mexico. </a:t>
-            </a:r>
-            <a:r>
-              <a:rPr lang="en-US" sz="1800" dirty="0" err="1">
-                <a:solidFill>
-                  <a:srgbClr val="000000"/>
-                </a:solidFill>
-                <a:latin typeface="Calibri" panose="020F0502020204030204" pitchFamily="34" charset="0"/>
-                <a:cs typeface="Calibri" panose="020F0502020204030204" pitchFamily="34" charset="0"/>
-              </a:rPr>
-              <a:t>Importadores</a:t>
-            </a:r>
-            <a:r>
-              <a:rPr lang="en-US" sz="1800" dirty="0">
-                <a:solidFill>
-                  <a:srgbClr val="000000"/>
-                </a:solidFill>
-                <a:latin typeface="Calibri" panose="020F0502020204030204" pitchFamily="34" charset="0"/>
-                <a:cs typeface="Calibri" panose="020F0502020204030204" pitchFamily="34" charset="0"/>
-              </a:rPr>
-              <a:t> Neptuno manufactures several critical subcomponents for the Adventure Works product line. These subcomponents are shipped to the Bothell location for final product assembly. </a:t>
-            </a:r>
-          </a:p>
-        </p:txBody>
-      </p:sp>
-    </p:spTree>
-    <p:extLst>
-      <p:ext uri="{BB962C8B-B14F-4D97-AF65-F5344CB8AC3E}">
-        <p14:creationId xmlns:p14="http://schemas.microsoft.com/office/powerpoint/2010/main" val="4200657664"/>
-      </p:ext>
-    </p:extLst>
-  </p:cSld>
-  <p:clrMapOvr>
-    <a:masterClrMapping/>
-  </p:clrMapOvr>
-</p:sld>
-</file>
-
-<file path=ppt/slides/slide3.xml><?xml version="1.0" encoding="utf-8"?>
-<p:sld xmlns:a="http://schemas.openxmlformats.org/drawingml/2006/main" xmlns:r="http://schemas.openxmlformats.org/officeDocument/2006/relationships" xmlns:p="http://schemas.openxmlformats.org/presentationml/2006/main">
-  <p:cSld>
-    <p:spTree>
-      <p:nvGrpSpPr>
-        <p:cNvPr id="1" name=""/>
-        <p:cNvGrpSpPr/>
-        <p:nvPr/>
-      </p:nvGrpSpPr>
-      <p:grpSpPr>
-        <a:xfrm>
-          <a:off x="0" y="0"/>
-          <a:ext cx="0" cy="0"/>
-          <a:chOff x="0" y="0"/>
-          <a:chExt cx="0" cy="0"/>
-        </a:xfrm>
-      </p:grpSpPr>
       <p:graphicFrame>
         <p:nvGraphicFramePr>
           <p:cNvPr id="4" name="Chart 3">
@@ -4763,7 +4608,7 @@
 </p:sld>
 </file>
 
-<file path=ppt/slides/slide4.xml><?xml version="1.0" encoding="utf-8"?>
+<file path=ppt/slides/slide3.xml><?xml version="1.0" encoding="utf-8"?>
 <p:sld xmlns:a="http://schemas.openxmlformats.org/drawingml/2006/main" xmlns:r="http://schemas.openxmlformats.org/officeDocument/2006/relationships" xmlns:p="http://schemas.openxmlformats.org/presentationml/2006/main">
   <p:cSld>
     <p:spTree>
